--- a/Apresentação/Eventickets.pptx
+++ b/Apresentação/Eventickets.pptx
@@ -7,9 +7,22 @@
   <p:sldIdLst>
     <p:sldId id="256" r:id="rId2"/>
     <p:sldId id="257" r:id="rId3"/>
-    <p:sldId id="258" r:id="rId4"/>
-    <p:sldId id="259" r:id="rId5"/>
+    <p:sldId id="259" r:id="rId4"/>
+    <p:sldId id="272" r:id="rId5"/>
     <p:sldId id="260" r:id="rId6"/>
+    <p:sldId id="261" r:id="rId7"/>
+    <p:sldId id="262" r:id="rId8"/>
+    <p:sldId id="267" r:id="rId9"/>
+    <p:sldId id="268" r:id="rId10"/>
+    <p:sldId id="269" r:id="rId11"/>
+    <p:sldId id="264" r:id="rId12"/>
+    <p:sldId id="263" r:id="rId13"/>
+    <p:sldId id="265" r:id="rId14"/>
+    <p:sldId id="266" r:id="rId15"/>
+    <p:sldId id="258" r:id="rId16"/>
+    <p:sldId id="270" r:id="rId17"/>
+    <p:sldId id="271" r:id="rId18"/>
+    <p:sldId id="273" r:id="rId19"/>
   </p:sldIdLst>
   <p:sldSz cx="12192000" cy="6858000"/>
   <p:notesSz cx="6858000" cy="9144000"/>
@@ -108,6 +121,11 @@
       </a:defRPr>
     </a:lvl9pPr>
   </p:defaultTextStyle>
+  <p:extLst>
+    <p:ext uri="{EFAFB233-063F-42B5-8137-9DF3F51BA10A}">
+      <p15:sldGuideLst xmlns:p15="http://schemas.microsoft.com/office/powerpoint/2012/main"/>
+    </p:ext>
+  </p:extLst>
 </p:presentation>
 </file>
 
@@ -168,7 +186,7 @@
           <a:noFill/>
           <a:extLst>
             <a:ext uri="{909E8E84-426E-40dd-AFC4-6F175D3DCCD1}">
-              <a14:hiddenFill xmlns:a14="http://schemas.microsoft.com/office/drawing/2010/main" xmlns="">
+              <a14:hiddenFill xmlns="" xmlns:a14="http://schemas.microsoft.com/office/drawing/2010/main">
                 <a:solidFill>
                   <a:srgbClr val="FFFFFF"/>
                 </a:solidFill>
@@ -227,7 +245,7 @@
             </a:ln>
             <a:extLst>
               <a:ext uri="{91240B29-F687-4f45-9708-019B960494DF}">
-                <a14:hiddenLine xmlns:a14="http://schemas.microsoft.com/office/drawing/2010/main" xmlns="" w="9525">
+                <a14:hiddenLine xmlns="" xmlns:a14="http://schemas.microsoft.com/office/drawing/2010/main" w="9525">
                   <a:solidFill>
                     <a:srgbClr val="000000"/>
                   </a:solidFill>
@@ -317,7 +335,7 @@
             </a:ln>
             <a:extLst>
               <a:ext uri="{91240B29-F687-4f45-9708-019B960494DF}">
-                <a14:hiddenLine xmlns:a14="http://schemas.microsoft.com/office/drawing/2010/main" xmlns="" w="9525">
+                <a14:hiddenLine xmlns="" xmlns:a14="http://schemas.microsoft.com/office/drawing/2010/main" w="9525">
                   <a:solidFill>
                     <a:srgbClr val="000000"/>
                   </a:solidFill>
@@ -407,7 +425,7 @@
             </a:ln>
             <a:extLst>
               <a:ext uri="{91240B29-F687-4f45-9708-019B960494DF}">
-                <a14:hiddenLine xmlns:a14="http://schemas.microsoft.com/office/drawing/2010/main" xmlns="" w="9525">
+                <a14:hiddenLine xmlns="" xmlns:a14="http://schemas.microsoft.com/office/drawing/2010/main" w="9525">
                   <a:solidFill>
                     <a:srgbClr val="000000"/>
                   </a:solidFill>
@@ -441,7 +459,7 @@
             </a:ln>
             <a:extLst>
               <a:ext uri="{91240B29-F687-4f45-9708-019B960494DF}">
-                <a14:hiddenLine xmlns:a14="http://schemas.microsoft.com/office/drawing/2010/main" xmlns="" w="9525">
+                <a14:hiddenLine xmlns="" xmlns:a14="http://schemas.microsoft.com/office/drawing/2010/main" w="9525">
                   <a:solidFill>
                     <a:srgbClr val="000000"/>
                   </a:solidFill>
@@ -531,7 +549,7 @@
             </a:ln>
             <a:extLst>
               <a:ext uri="{91240B29-F687-4f45-9708-019B960494DF}">
-                <a14:hiddenLine xmlns:a14="http://schemas.microsoft.com/office/drawing/2010/main" xmlns="" w="9525">
+                <a14:hiddenLine xmlns="" xmlns:a14="http://schemas.microsoft.com/office/drawing/2010/main" w="9525">
                   <a:solidFill>
                     <a:srgbClr val="000000"/>
                   </a:solidFill>
@@ -593,7 +611,7 @@
             </a:ln>
             <a:extLst>
               <a:ext uri="{91240B29-F687-4f45-9708-019B960494DF}">
-                <a14:hiddenLine xmlns:a14="http://schemas.microsoft.com/office/drawing/2010/main" xmlns="" w="9525">
+                <a14:hiddenLine xmlns="" xmlns:a14="http://schemas.microsoft.com/office/drawing/2010/main" w="9525">
                   <a:solidFill>
                     <a:srgbClr val="000000"/>
                   </a:solidFill>
@@ -655,7 +673,7 @@
             </a:ln>
             <a:extLst>
               <a:ext uri="{91240B29-F687-4f45-9708-019B960494DF}">
-                <a14:hiddenLine xmlns:a14="http://schemas.microsoft.com/office/drawing/2010/main" xmlns="" w="9525">
+                <a14:hiddenLine xmlns="" xmlns:a14="http://schemas.microsoft.com/office/drawing/2010/main" w="9525">
                   <a:solidFill>
                     <a:srgbClr val="000000"/>
                   </a:solidFill>
@@ -745,7 +763,7 @@
             </a:ln>
             <a:extLst>
               <a:ext uri="{91240B29-F687-4f45-9708-019B960494DF}">
-                <a14:hiddenLine xmlns:a14="http://schemas.microsoft.com/office/drawing/2010/main" xmlns="" w="9525">
+                <a14:hiddenLine xmlns="" xmlns:a14="http://schemas.microsoft.com/office/drawing/2010/main" w="9525">
                   <a:solidFill>
                     <a:srgbClr val="000000"/>
                   </a:solidFill>
@@ -807,7 +825,7 @@
             </a:ln>
             <a:extLst>
               <a:ext uri="{91240B29-F687-4f45-9708-019B960494DF}">
-                <a14:hiddenLine xmlns:a14="http://schemas.microsoft.com/office/drawing/2010/main" xmlns="" w="9525">
+                <a14:hiddenLine xmlns="" xmlns:a14="http://schemas.microsoft.com/office/drawing/2010/main" w="9525">
                   <a:solidFill>
                     <a:srgbClr val="000000"/>
                   </a:solidFill>
@@ -869,7 +887,7 @@
             </a:ln>
             <a:extLst>
               <a:ext uri="{91240B29-F687-4f45-9708-019B960494DF}">
-                <a14:hiddenLine xmlns:a14="http://schemas.microsoft.com/office/drawing/2010/main" xmlns="" w="9525">
+                <a14:hiddenLine xmlns="" xmlns:a14="http://schemas.microsoft.com/office/drawing/2010/main" w="9525">
                   <a:solidFill>
                     <a:srgbClr val="000000"/>
                   </a:solidFill>
@@ -959,7 +977,7 @@
             </a:ln>
             <a:extLst>
               <a:ext uri="{91240B29-F687-4f45-9708-019B960494DF}">
-                <a14:hiddenLine xmlns:a14="http://schemas.microsoft.com/office/drawing/2010/main" xmlns="" w="9525">
+                <a14:hiddenLine xmlns="" xmlns:a14="http://schemas.microsoft.com/office/drawing/2010/main" w="9525">
                   <a:solidFill>
                     <a:srgbClr val="000000"/>
                   </a:solidFill>
@@ -1049,7 +1067,7 @@
             </a:ln>
             <a:extLst>
               <a:ext uri="{91240B29-F687-4f45-9708-019B960494DF}">
-                <a14:hiddenLine xmlns:a14="http://schemas.microsoft.com/office/drawing/2010/main" xmlns="" w="9525">
+                <a14:hiddenLine xmlns="" xmlns:a14="http://schemas.microsoft.com/office/drawing/2010/main" w="9525">
                   <a:solidFill>
                     <a:srgbClr val="000000"/>
                   </a:solidFill>
@@ -1111,7 +1129,7 @@
             </a:ln>
             <a:extLst>
               <a:ext uri="{91240B29-F687-4f45-9708-019B960494DF}">
-                <a14:hiddenLine xmlns:a14="http://schemas.microsoft.com/office/drawing/2010/main" xmlns="" w="9525">
+                <a14:hiddenLine xmlns="" xmlns:a14="http://schemas.microsoft.com/office/drawing/2010/main" w="9525">
                   <a:solidFill>
                     <a:srgbClr val="000000"/>
                   </a:solidFill>
@@ -1221,7 +1239,7 @@
             </a:ln>
             <a:extLst>
               <a:ext uri="{91240B29-F687-4f45-9708-019B960494DF}">
-                <a14:hiddenLine xmlns:a14="http://schemas.microsoft.com/office/drawing/2010/main" xmlns="" w="9525">
+                <a14:hiddenLine xmlns="" xmlns:a14="http://schemas.microsoft.com/office/drawing/2010/main" w="9525">
                   <a:solidFill>
                     <a:srgbClr val="000000"/>
                   </a:solidFill>
@@ -1283,7 +1301,7 @@
             </a:ln>
             <a:extLst>
               <a:ext uri="{91240B29-F687-4f45-9708-019B960494DF}">
-                <a14:hiddenLine xmlns:a14="http://schemas.microsoft.com/office/drawing/2010/main" xmlns="" w="9525">
+                <a14:hiddenLine xmlns="" xmlns:a14="http://schemas.microsoft.com/office/drawing/2010/main" w="9525">
                   <a:solidFill>
                     <a:srgbClr val="000000"/>
                   </a:solidFill>
@@ -1373,7 +1391,7 @@
             </a:ln>
             <a:extLst>
               <a:ext uri="{91240B29-F687-4f45-9708-019B960494DF}">
-                <a14:hiddenLine xmlns:a14="http://schemas.microsoft.com/office/drawing/2010/main" xmlns="" w="9525">
+                <a14:hiddenLine xmlns="" xmlns:a14="http://schemas.microsoft.com/office/drawing/2010/main" w="9525">
                   <a:solidFill>
                     <a:srgbClr val="000000"/>
                   </a:solidFill>
@@ -1463,7 +1481,7 @@
             </a:ln>
             <a:extLst>
               <a:ext uri="{91240B29-F687-4f45-9708-019B960494DF}">
-                <a14:hiddenLine xmlns:a14="http://schemas.microsoft.com/office/drawing/2010/main" xmlns="" w="9525">
+                <a14:hiddenLine xmlns="" xmlns:a14="http://schemas.microsoft.com/office/drawing/2010/main" w="9525">
                   <a:solidFill>
                     <a:srgbClr val="000000"/>
                   </a:solidFill>
@@ -1525,7 +1543,7 @@
             </a:ln>
             <a:extLst>
               <a:ext uri="{91240B29-F687-4f45-9708-019B960494DF}">
-                <a14:hiddenLine xmlns:a14="http://schemas.microsoft.com/office/drawing/2010/main" xmlns="" w="9525">
+                <a14:hiddenLine xmlns="" xmlns:a14="http://schemas.microsoft.com/office/drawing/2010/main" w="9525">
                   <a:solidFill>
                     <a:srgbClr val="000000"/>
                   </a:solidFill>
@@ -1615,7 +1633,7 @@
             </a:ln>
             <a:extLst>
               <a:ext uri="{91240B29-F687-4f45-9708-019B960494DF}">
-                <a14:hiddenLine xmlns:a14="http://schemas.microsoft.com/office/drawing/2010/main" xmlns="" w="9525">
+                <a14:hiddenLine xmlns="" xmlns:a14="http://schemas.microsoft.com/office/drawing/2010/main" w="9525">
                   <a:solidFill>
                     <a:srgbClr val="000000"/>
                   </a:solidFill>
@@ -1705,7 +1723,7 @@
             </a:ln>
             <a:extLst>
               <a:ext uri="{91240B29-F687-4f45-9708-019B960494DF}">
-                <a14:hiddenLine xmlns:a14="http://schemas.microsoft.com/office/drawing/2010/main" xmlns="" w="9525">
+                <a14:hiddenLine xmlns="" xmlns:a14="http://schemas.microsoft.com/office/drawing/2010/main" w="9525">
                   <a:solidFill>
                     <a:srgbClr val="000000"/>
                   </a:solidFill>
@@ -1761,7 +1779,7 @@
             </a:ln>
             <a:extLst>
               <a:ext uri="{91240B29-F687-4f45-9708-019B960494DF}">
-                <a14:hiddenLine xmlns:a14="http://schemas.microsoft.com/office/drawing/2010/main" xmlns="" w="9525">
+                <a14:hiddenLine xmlns="" xmlns:a14="http://schemas.microsoft.com/office/drawing/2010/main" w="9525">
                   <a:solidFill>
                     <a:srgbClr val="000000"/>
                   </a:solidFill>
@@ -1851,7 +1869,7 @@
             </a:ln>
             <a:extLst>
               <a:ext uri="{91240B29-F687-4f45-9708-019B960494DF}">
-                <a14:hiddenLine xmlns:a14="http://schemas.microsoft.com/office/drawing/2010/main" xmlns="" w="9525">
+                <a14:hiddenLine xmlns="" xmlns:a14="http://schemas.microsoft.com/office/drawing/2010/main" w="9525">
                   <a:solidFill>
                     <a:srgbClr val="000000"/>
                   </a:solidFill>
@@ -1907,7 +1925,7 @@
             </a:ln>
             <a:extLst>
               <a:ext uri="{91240B29-F687-4f45-9708-019B960494DF}">
-                <a14:hiddenLine xmlns:a14="http://schemas.microsoft.com/office/drawing/2010/main" xmlns="" w="9525">
+                <a14:hiddenLine xmlns="" xmlns:a14="http://schemas.microsoft.com/office/drawing/2010/main" w="9525">
                   <a:solidFill>
                     <a:srgbClr val="000000"/>
                   </a:solidFill>
@@ -1997,7 +2015,7 @@
             </a:ln>
             <a:extLst>
               <a:ext uri="{91240B29-F687-4f45-9708-019B960494DF}">
-                <a14:hiddenLine xmlns:a14="http://schemas.microsoft.com/office/drawing/2010/main" xmlns="" w="9525">
+                <a14:hiddenLine xmlns="" xmlns:a14="http://schemas.microsoft.com/office/drawing/2010/main" w="9525">
                   <a:solidFill>
                     <a:srgbClr val="000000"/>
                   </a:solidFill>
@@ -2065,7 +2083,7 @@
             </a:ln>
             <a:extLst>
               <a:ext uri="{91240B29-F687-4f45-9708-019B960494DF}">
-                <a14:hiddenLine xmlns:a14="http://schemas.microsoft.com/office/drawing/2010/main" xmlns="" w="9525">
+                <a14:hiddenLine xmlns="" xmlns:a14="http://schemas.microsoft.com/office/drawing/2010/main" w="9525">
                   <a:solidFill>
                     <a:srgbClr val="000000"/>
                   </a:solidFill>
@@ -2155,7 +2173,7 @@
             </a:ln>
             <a:extLst>
               <a:ext uri="{91240B29-F687-4f45-9708-019B960494DF}">
-                <a14:hiddenLine xmlns:a14="http://schemas.microsoft.com/office/drawing/2010/main" xmlns="" w="9525">
+                <a14:hiddenLine xmlns="" xmlns:a14="http://schemas.microsoft.com/office/drawing/2010/main" w="9525">
                   <a:solidFill>
                     <a:srgbClr val="000000"/>
                   </a:solidFill>
@@ -2223,7 +2241,7 @@
             </a:ln>
             <a:extLst>
               <a:ext uri="{91240B29-F687-4f45-9708-019B960494DF}">
-                <a14:hiddenLine xmlns:a14="http://schemas.microsoft.com/office/drawing/2010/main" xmlns="" w="9525">
+                <a14:hiddenLine xmlns="" xmlns:a14="http://schemas.microsoft.com/office/drawing/2010/main" w="9525">
                   <a:solidFill>
                     <a:srgbClr val="000000"/>
                   </a:solidFill>
@@ -2313,7 +2331,7 @@
             </a:ln>
             <a:extLst>
               <a:ext uri="{91240B29-F687-4f45-9708-019B960494DF}">
-                <a14:hiddenLine xmlns:a14="http://schemas.microsoft.com/office/drawing/2010/main" xmlns="" w="9525">
+                <a14:hiddenLine xmlns="" xmlns:a14="http://schemas.microsoft.com/office/drawing/2010/main" w="9525">
                   <a:solidFill>
                     <a:srgbClr val="000000"/>
                   </a:solidFill>
@@ -2347,7 +2365,7 @@
             </a:ln>
             <a:extLst>
               <a:ext uri="{91240B29-F687-4f45-9708-019B960494DF}">
-                <a14:hiddenLine xmlns:a14="http://schemas.microsoft.com/office/drawing/2010/main" xmlns="" w="9525">
+                <a14:hiddenLine xmlns="" xmlns:a14="http://schemas.microsoft.com/office/drawing/2010/main" w="9525">
                   <a:solidFill>
                     <a:srgbClr val="000000"/>
                   </a:solidFill>
@@ -2437,7 +2455,7 @@
             </a:ln>
             <a:extLst>
               <a:ext uri="{91240B29-F687-4f45-9708-019B960494DF}">
-                <a14:hiddenLine xmlns:a14="http://schemas.microsoft.com/office/drawing/2010/main" xmlns="" w="9525">
+                <a14:hiddenLine xmlns="" xmlns:a14="http://schemas.microsoft.com/office/drawing/2010/main" w="9525">
                   <a:solidFill>
                     <a:srgbClr val="000000"/>
                   </a:solidFill>
@@ -2499,7 +2517,7 @@
             </a:ln>
             <a:extLst>
               <a:ext uri="{91240B29-F687-4f45-9708-019B960494DF}">
-                <a14:hiddenLine xmlns:a14="http://schemas.microsoft.com/office/drawing/2010/main" xmlns="" w="9525">
+                <a14:hiddenLine xmlns="" xmlns:a14="http://schemas.microsoft.com/office/drawing/2010/main" w="9525">
                   <a:solidFill>
                     <a:srgbClr val="000000"/>
                   </a:solidFill>
@@ -2561,7 +2579,7 @@
             </a:ln>
             <a:extLst>
               <a:ext uri="{91240B29-F687-4f45-9708-019B960494DF}">
-                <a14:hiddenLine xmlns:a14="http://schemas.microsoft.com/office/drawing/2010/main" xmlns="" w="9525">
+                <a14:hiddenLine xmlns="" xmlns:a14="http://schemas.microsoft.com/office/drawing/2010/main" w="9525">
                   <a:solidFill>
                     <a:srgbClr val="000000"/>
                   </a:solidFill>
@@ -2651,7 +2669,7 @@
             </a:ln>
             <a:extLst>
               <a:ext uri="{91240B29-F687-4f45-9708-019B960494DF}">
-                <a14:hiddenLine xmlns:a14="http://schemas.microsoft.com/office/drawing/2010/main" xmlns="" w="9525">
+                <a14:hiddenLine xmlns="" xmlns:a14="http://schemas.microsoft.com/office/drawing/2010/main" w="9525">
                   <a:solidFill>
                     <a:srgbClr val="000000"/>
                   </a:solidFill>
@@ -2719,7 +2737,7 @@
             </a:ln>
             <a:extLst>
               <a:ext uri="{91240B29-F687-4f45-9708-019B960494DF}">
-                <a14:hiddenLine xmlns:a14="http://schemas.microsoft.com/office/drawing/2010/main" xmlns="" w="9525">
+                <a14:hiddenLine xmlns="" xmlns:a14="http://schemas.microsoft.com/office/drawing/2010/main" w="9525">
                   <a:solidFill>
                     <a:srgbClr val="000000"/>
                   </a:solidFill>
@@ -2781,7 +2799,7 @@
             </a:ln>
             <a:extLst>
               <a:ext uri="{91240B29-F687-4f45-9708-019B960494DF}">
-                <a14:hiddenLine xmlns:a14="http://schemas.microsoft.com/office/drawing/2010/main" xmlns="" w="9525">
+                <a14:hiddenLine xmlns="" xmlns:a14="http://schemas.microsoft.com/office/drawing/2010/main" w="9525">
                   <a:solidFill>
                     <a:srgbClr val="000000"/>
                   </a:solidFill>
@@ -2871,7 +2889,7 @@
             </a:ln>
             <a:extLst>
               <a:ext uri="{91240B29-F687-4f45-9708-019B960494DF}">
-                <a14:hiddenLine xmlns:a14="http://schemas.microsoft.com/office/drawing/2010/main" xmlns="" w="9525">
+                <a14:hiddenLine xmlns="" xmlns:a14="http://schemas.microsoft.com/office/drawing/2010/main" w="9525">
                   <a:solidFill>
                     <a:srgbClr val="000000"/>
                   </a:solidFill>
@@ -2933,7 +2951,7 @@
             </a:ln>
             <a:extLst>
               <a:ext uri="{91240B29-F687-4f45-9708-019B960494DF}">
-                <a14:hiddenLine xmlns:a14="http://schemas.microsoft.com/office/drawing/2010/main" xmlns="" w="9525">
+                <a14:hiddenLine xmlns="" xmlns:a14="http://schemas.microsoft.com/office/drawing/2010/main" w="9525">
                   <a:solidFill>
                     <a:srgbClr val="000000"/>
                   </a:solidFill>
@@ -3023,7 +3041,7 @@
             </a:ln>
             <a:extLst>
               <a:ext uri="{91240B29-F687-4f45-9708-019B960494DF}">
-                <a14:hiddenLine xmlns:a14="http://schemas.microsoft.com/office/drawing/2010/main" xmlns="" w="9525">
+                <a14:hiddenLine xmlns="" xmlns:a14="http://schemas.microsoft.com/office/drawing/2010/main" w="9525">
                   <a:solidFill>
                     <a:srgbClr val="000000"/>
                   </a:solidFill>
@@ -3085,7 +3103,7 @@
             </a:ln>
             <a:extLst>
               <a:ext uri="{91240B29-F687-4f45-9708-019B960494DF}">
-                <a14:hiddenLine xmlns:a14="http://schemas.microsoft.com/office/drawing/2010/main" xmlns="" w="9525">
+                <a14:hiddenLine xmlns="" xmlns:a14="http://schemas.microsoft.com/office/drawing/2010/main" w="9525">
                   <a:solidFill>
                     <a:srgbClr val="000000"/>
                   </a:solidFill>
@@ -3175,7 +3193,7 @@
             </a:ln>
             <a:extLst>
               <a:ext uri="{91240B29-F687-4f45-9708-019B960494DF}">
-                <a14:hiddenLine xmlns:a14="http://schemas.microsoft.com/office/drawing/2010/main" xmlns="" w="9525">
+                <a14:hiddenLine xmlns="" xmlns:a14="http://schemas.microsoft.com/office/drawing/2010/main" w="9525">
                   <a:solidFill>
                     <a:srgbClr val="000000"/>
                   </a:solidFill>
@@ -3209,7 +3227,7 @@
             </a:ln>
             <a:extLst>
               <a:ext uri="{91240B29-F687-4f45-9708-019B960494DF}">
-                <a14:hiddenLine xmlns:a14="http://schemas.microsoft.com/office/drawing/2010/main" xmlns="" w="9525">
+                <a14:hiddenLine xmlns="" xmlns:a14="http://schemas.microsoft.com/office/drawing/2010/main" w="9525">
                   <a:solidFill>
                     <a:srgbClr val="000000"/>
                   </a:solidFill>
@@ -3274,7 +3292,7 @@
             </a:ln>
             <a:extLst>
               <a:ext uri="{91240B29-F687-4f45-9708-019B960494DF}">
-                <a14:hiddenLine xmlns:a14="http://schemas.microsoft.com/office/drawing/2010/main" xmlns="" w="9525">
+                <a14:hiddenLine xmlns="" xmlns:a14="http://schemas.microsoft.com/office/drawing/2010/main" w="9525">
                   <a:solidFill>
                     <a:srgbClr val="000000"/>
                   </a:solidFill>
@@ -3364,7 +3382,7 @@
             </a:ln>
             <a:extLst>
               <a:ext uri="{91240B29-F687-4f45-9708-019B960494DF}">
-                <a14:hiddenLine xmlns:a14="http://schemas.microsoft.com/office/drawing/2010/main" xmlns="" w="9525">
+                <a14:hiddenLine xmlns="" xmlns:a14="http://schemas.microsoft.com/office/drawing/2010/main" w="9525">
                   <a:solidFill>
                     <a:srgbClr val="000000"/>
                   </a:solidFill>
@@ -3426,7 +3444,7 @@
             </a:ln>
             <a:extLst>
               <a:ext uri="{91240B29-F687-4f45-9708-019B960494DF}">
-                <a14:hiddenLine xmlns:a14="http://schemas.microsoft.com/office/drawing/2010/main" xmlns="" w="9525">
+                <a14:hiddenLine xmlns="" xmlns:a14="http://schemas.microsoft.com/office/drawing/2010/main" w="9525">
                   <a:solidFill>
                     <a:srgbClr val="000000"/>
                   </a:solidFill>
@@ -3516,7 +3534,7 @@
             </a:ln>
             <a:extLst>
               <a:ext uri="{91240B29-F687-4f45-9708-019B960494DF}">
-                <a14:hiddenLine xmlns:a14="http://schemas.microsoft.com/office/drawing/2010/main" xmlns="" w="9525">
+                <a14:hiddenLine xmlns="" xmlns:a14="http://schemas.microsoft.com/office/drawing/2010/main" w="9525">
                   <a:solidFill>
                     <a:srgbClr val="000000"/>
                   </a:solidFill>
@@ -3606,7 +3624,7 @@
             </a:ln>
             <a:extLst>
               <a:ext uri="{91240B29-F687-4f45-9708-019B960494DF}">
-                <a14:hiddenLine xmlns:a14="http://schemas.microsoft.com/office/drawing/2010/main" xmlns="" w="9525">
+                <a14:hiddenLine xmlns="" xmlns:a14="http://schemas.microsoft.com/office/drawing/2010/main" w="9525">
                   <a:solidFill>
                     <a:srgbClr val="000000"/>
                   </a:solidFill>
@@ -3671,7 +3689,7 @@
             </a:ln>
             <a:extLst>
               <a:ext uri="{91240B29-F687-4f45-9708-019B960494DF}">
-                <a14:hiddenLine xmlns:a14="http://schemas.microsoft.com/office/drawing/2010/main" xmlns="" w="9525">
+                <a14:hiddenLine xmlns="" xmlns:a14="http://schemas.microsoft.com/office/drawing/2010/main" w="9525">
                   <a:solidFill>
                     <a:srgbClr val="000000"/>
                   </a:solidFill>
@@ -3733,7 +3751,7 @@
             </a:ln>
             <a:extLst>
               <a:ext uri="{91240B29-F687-4f45-9708-019B960494DF}">
-                <a14:hiddenLine xmlns:a14="http://schemas.microsoft.com/office/drawing/2010/main" xmlns="" w="9525">
+                <a14:hiddenLine xmlns="" xmlns:a14="http://schemas.microsoft.com/office/drawing/2010/main" w="9525">
                   <a:solidFill>
                     <a:srgbClr val="000000"/>
                   </a:solidFill>
@@ -3823,7 +3841,7 @@
             </a:ln>
             <a:extLst>
               <a:ext uri="{91240B29-F687-4f45-9708-019B960494DF}">
-                <a14:hiddenLine xmlns:a14="http://schemas.microsoft.com/office/drawing/2010/main" xmlns="" w="9525">
+                <a14:hiddenLine xmlns="" xmlns:a14="http://schemas.microsoft.com/office/drawing/2010/main" w="9525">
                   <a:solidFill>
                     <a:srgbClr val="000000"/>
                   </a:solidFill>
@@ -3913,7 +3931,7 @@
             </a:ln>
             <a:extLst>
               <a:ext uri="{91240B29-F687-4f45-9708-019B960494DF}">
-                <a14:hiddenLine xmlns:a14="http://schemas.microsoft.com/office/drawing/2010/main" xmlns="" w="9525">
+                <a14:hiddenLine xmlns="" xmlns:a14="http://schemas.microsoft.com/office/drawing/2010/main" w="9525">
                   <a:solidFill>
                     <a:srgbClr val="000000"/>
                   </a:solidFill>
@@ -3975,7 +3993,7 @@
             </a:ln>
             <a:extLst>
               <a:ext uri="{91240B29-F687-4f45-9708-019B960494DF}">
-                <a14:hiddenLine xmlns:a14="http://schemas.microsoft.com/office/drawing/2010/main" xmlns="" w="9525">
+                <a14:hiddenLine xmlns="" xmlns:a14="http://schemas.microsoft.com/office/drawing/2010/main" w="9525">
                   <a:solidFill>
                     <a:srgbClr val="000000"/>
                   </a:solidFill>
@@ -4095,7 +4113,7 @@
             </a:ln>
             <a:extLst>
               <a:ext uri="{91240B29-F687-4f45-9708-019B960494DF}">
-                <a14:hiddenLine xmlns:a14="http://schemas.microsoft.com/office/drawing/2010/main" xmlns="" w="9525">
+                <a14:hiddenLine xmlns="" xmlns:a14="http://schemas.microsoft.com/office/drawing/2010/main" w="9525">
                   <a:solidFill>
                     <a:srgbClr val="000000"/>
                   </a:solidFill>
@@ -4163,7 +4181,7 @@
             </a:ln>
             <a:extLst>
               <a:ext uri="{91240B29-F687-4f45-9708-019B960494DF}">
-                <a14:hiddenLine xmlns:a14="http://schemas.microsoft.com/office/drawing/2010/main" xmlns="" w="9525">
+                <a14:hiddenLine xmlns="" xmlns:a14="http://schemas.microsoft.com/office/drawing/2010/main" w="9525">
                   <a:solidFill>
                     <a:srgbClr val="000000"/>
                   </a:solidFill>
@@ -4253,7 +4271,7 @@
             </a:ln>
             <a:extLst>
               <a:ext uri="{91240B29-F687-4f45-9708-019B960494DF}">
-                <a14:hiddenLine xmlns:a14="http://schemas.microsoft.com/office/drawing/2010/main" xmlns="" w="9525">
+                <a14:hiddenLine xmlns="" xmlns:a14="http://schemas.microsoft.com/office/drawing/2010/main" w="9525">
                   <a:solidFill>
                     <a:srgbClr val="000000"/>
                   </a:solidFill>
@@ -4393,7 +4411,7 @@
           <a:p>
             <a:fld id="{48A87A34-81AB-432B-8DAE-1953F412C126}" type="datetimeFigureOut">
               <a:rPr lang="en-US" dirty="0"/>
-              <a:t>9/14/2020</a:t>
+              <a:t>9/15/2020</a:t>
             </a:fld>
             <a:endParaRPr lang="en-US" dirty="0"/>
           </a:p>
@@ -4655,7 +4673,7 @@
           <a:p>
             <a:fld id="{48A87A34-81AB-432B-8DAE-1953F412C126}" type="datetimeFigureOut">
               <a:rPr lang="en-US" dirty="0"/>
-              <a:t>9/14/2020</a:t>
+              <a:t>9/15/2020</a:t>
             </a:fld>
             <a:endParaRPr lang="en-US" dirty="0"/>
           </a:p>
@@ -4846,7 +4864,7 @@
           <a:p>
             <a:fld id="{48A87A34-81AB-432B-8DAE-1953F412C126}" type="datetimeFigureOut">
               <a:rPr lang="en-US" dirty="0"/>
-              <a:t>9/14/2020</a:t>
+              <a:t>9/15/2020</a:t>
             </a:fld>
             <a:endParaRPr lang="en-US" dirty="0"/>
           </a:p>
@@ -5104,7 +5122,7 @@
           <a:p>
             <a:fld id="{48A87A34-81AB-432B-8DAE-1953F412C126}" type="datetimeFigureOut">
               <a:rPr lang="en-US" dirty="0"/>
-              <a:t>9/14/2020</a:t>
+              <a:t>9/15/2020</a:t>
             </a:fld>
             <a:endParaRPr lang="en-US" dirty="0"/>
           </a:p>
@@ -5533,7 +5551,7 @@
           <a:p>
             <a:fld id="{48A87A34-81AB-432B-8DAE-1953F412C126}" type="datetimeFigureOut">
               <a:rPr lang="en-US" dirty="0"/>
-              <a:t>9/14/2020</a:t>
+              <a:t>9/15/2020</a:t>
             </a:fld>
             <a:endParaRPr lang="en-US" dirty="0"/>
           </a:p>
@@ -6074,7 +6092,7 @@
           <a:p>
             <a:fld id="{48A87A34-81AB-432B-8DAE-1953F412C126}" type="datetimeFigureOut">
               <a:rPr lang="en-US" dirty="0"/>
-              <a:t>9/14/2020</a:t>
+              <a:t>9/15/2020</a:t>
             </a:fld>
             <a:endParaRPr lang="en-US" dirty="0"/>
           </a:p>
@@ -6789,7 +6807,7 @@
           <a:p>
             <a:fld id="{48A87A34-81AB-432B-8DAE-1953F412C126}" type="datetimeFigureOut">
               <a:rPr lang="en-US" dirty="0"/>
-              <a:t>9/14/2020</a:t>
+              <a:t>9/15/2020</a:t>
             </a:fld>
             <a:endParaRPr lang="en-US" dirty="0"/>
           </a:p>
@@ -6954,7 +6972,7 @@
           <a:p>
             <a:fld id="{48A87A34-81AB-432B-8DAE-1953F412C126}" type="datetimeFigureOut">
               <a:rPr lang="en-US" dirty="0"/>
-              <a:t>9/14/2020</a:t>
+              <a:t>9/15/2020</a:t>
             </a:fld>
             <a:endParaRPr lang="en-US" dirty="0"/>
           </a:p>
@@ -7129,7 +7147,7 @@
           <a:p>
             <a:fld id="{48A87A34-81AB-432B-8DAE-1953F412C126}" type="datetimeFigureOut">
               <a:rPr lang="en-US" dirty="0"/>
-              <a:t>9/14/2020</a:t>
+              <a:t>9/15/2020</a:t>
             </a:fld>
             <a:endParaRPr lang="en-US" dirty="0"/>
           </a:p>
@@ -7294,7 +7312,7 @@
           <a:p>
             <a:fld id="{48A87A34-81AB-432B-8DAE-1953F412C126}" type="datetimeFigureOut">
               <a:rPr lang="en-US" dirty="0"/>
-              <a:t>9/14/2020</a:t>
+              <a:t>9/15/2020</a:t>
             </a:fld>
             <a:endParaRPr lang="en-US" dirty="0"/>
           </a:p>
@@ -7539,7 +7557,7 @@
           <a:p>
             <a:fld id="{48A87A34-81AB-432B-8DAE-1953F412C126}" type="datetimeFigureOut">
               <a:rPr lang="en-US" dirty="0"/>
-              <a:t>9/14/2020</a:t>
+              <a:t>9/15/2020</a:t>
             </a:fld>
             <a:endParaRPr lang="en-US" dirty="0"/>
           </a:p>
@@ -7766,7 +7784,7 @@
           <a:p>
             <a:fld id="{48A87A34-81AB-432B-8DAE-1953F412C126}" type="datetimeFigureOut">
               <a:rPr lang="en-US" dirty="0"/>
-              <a:t>9/14/2020</a:t>
+              <a:t>9/15/2020</a:t>
             </a:fld>
             <a:endParaRPr lang="en-US" dirty="0"/>
           </a:p>
@@ -8142,7 +8160,7 @@
           <a:p>
             <a:fld id="{48A87A34-81AB-432B-8DAE-1953F412C126}" type="datetimeFigureOut">
               <a:rPr lang="en-US" dirty="0"/>
-              <a:t>9/14/2020</a:t>
+              <a:t>9/15/2020</a:t>
             </a:fld>
             <a:endParaRPr lang="en-US" dirty="0"/>
           </a:p>
@@ -8255,7 +8273,7 @@
           <a:p>
             <a:fld id="{48A87A34-81AB-432B-8DAE-1953F412C126}" type="datetimeFigureOut">
               <a:rPr lang="en-US" dirty="0"/>
-              <a:t>9/14/2020</a:t>
+              <a:t>9/15/2020</a:t>
             </a:fld>
             <a:endParaRPr lang="en-US" dirty="0"/>
           </a:p>
@@ -8345,7 +8363,7 @@
           <a:p>
             <a:fld id="{48A87A34-81AB-432B-8DAE-1953F412C126}" type="datetimeFigureOut">
               <a:rPr lang="en-US" dirty="0"/>
-              <a:t>9/14/2020</a:t>
+              <a:t>9/15/2020</a:t>
             </a:fld>
             <a:endParaRPr lang="en-US" dirty="0"/>
           </a:p>
@@ -8589,7 +8607,7 @@
           <a:p>
             <a:fld id="{48A87A34-81AB-432B-8DAE-1953F412C126}" type="datetimeFigureOut">
               <a:rPr lang="en-US" dirty="0"/>
-              <a:t>9/14/2020</a:t>
+              <a:t>9/15/2020</a:t>
             </a:fld>
             <a:endParaRPr lang="en-US" dirty="0"/>
           </a:p>
@@ -8864,7 +8882,7 @@
           <a:p>
             <a:fld id="{48A87A34-81AB-432B-8DAE-1953F412C126}" type="datetimeFigureOut">
               <a:rPr lang="en-US" dirty="0"/>
-              <a:t>9/14/2020</a:t>
+              <a:t>9/15/2020</a:t>
             </a:fld>
             <a:endParaRPr lang="en-US" dirty="0"/>
           </a:p>
@@ -8982,7 +9000,7 @@
           <a:noFill/>
           <a:extLst>
             <a:ext uri="{909E8E84-426E-40dd-AFC4-6F175D3DCCD1}">
-              <a14:hiddenFill xmlns:a14="http://schemas.microsoft.com/office/drawing/2010/main" xmlns="">
+              <a14:hiddenFill xmlns="" xmlns:a14="http://schemas.microsoft.com/office/drawing/2010/main">
                 <a:solidFill>
                   <a:srgbClr val="FFFFFF"/>
                 </a:solidFill>
@@ -9056,7 +9074,7 @@
               </a:ln>
               <a:extLst>
                 <a:ext uri="{91240B29-F687-4f45-9708-019B960494DF}">
-                  <a14:hiddenLine xmlns:a14="http://schemas.microsoft.com/office/drawing/2010/main" xmlns="" w="9525">
+                  <a14:hiddenLine xmlns="" xmlns:a14="http://schemas.microsoft.com/office/drawing/2010/main" w="9525">
                     <a:solidFill>
                       <a:srgbClr val="000000"/>
                     </a:solidFill>
@@ -9146,7 +9164,7 @@
               </a:ln>
               <a:extLst>
                 <a:ext uri="{91240B29-F687-4f45-9708-019B960494DF}">
-                  <a14:hiddenLine xmlns:a14="http://schemas.microsoft.com/office/drawing/2010/main" xmlns="" w="9525">
+                  <a14:hiddenLine xmlns="" xmlns:a14="http://schemas.microsoft.com/office/drawing/2010/main" w="9525">
                     <a:solidFill>
                       <a:srgbClr val="000000"/>
                     </a:solidFill>
@@ -9236,7 +9254,7 @@
               </a:ln>
               <a:extLst>
                 <a:ext uri="{91240B29-F687-4f45-9708-019B960494DF}">
-                  <a14:hiddenLine xmlns:a14="http://schemas.microsoft.com/office/drawing/2010/main" xmlns="" w="9525">
+                  <a14:hiddenLine xmlns="" xmlns:a14="http://schemas.microsoft.com/office/drawing/2010/main" w="9525">
                     <a:solidFill>
                       <a:srgbClr val="000000"/>
                     </a:solidFill>
@@ -9298,7 +9316,7 @@
               </a:ln>
               <a:extLst>
                 <a:ext uri="{91240B29-F687-4f45-9708-019B960494DF}">
-                  <a14:hiddenLine xmlns:a14="http://schemas.microsoft.com/office/drawing/2010/main" xmlns="" w="9525">
+                  <a14:hiddenLine xmlns="" xmlns:a14="http://schemas.microsoft.com/office/drawing/2010/main" w="9525">
                     <a:solidFill>
                       <a:srgbClr val="000000"/>
                     </a:solidFill>
@@ -9388,7 +9406,7 @@
               </a:ln>
               <a:extLst>
                 <a:ext uri="{91240B29-F687-4f45-9708-019B960494DF}">
-                  <a14:hiddenLine xmlns:a14="http://schemas.microsoft.com/office/drawing/2010/main" xmlns="" w="9525">
+                  <a14:hiddenLine xmlns="" xmlns:a14="http://schemas.microsoft.com/office/drawing/2010/main" w="9525">
                     <a:solidFill>
                       <a:srgbClr val="000000"/>
                     </a:solidFill>
@@ -9450,7 +9468,7 @@
               </a:ln>
               <a:extLst>
                 <a:ext uri="{91240B29-F687-4f45-9708-019B960494DF}">
-                  <a14:hiddenLine xmlns:a14="http://schemas.microsoft.com/office/drawing/2010/main" xmlns="" w="9525">
+                  <a14:hiddenLine xmlns="" xmlns:a14="http://schemas.microsoft.com/office/drawing/2010/main" w="9525">
                     <a:solidFill>
                       <a:srgbClr val="000000"/>
                     </a:solidFill>
@@ -9512,7 +9530,7 @@
               </a:ln>
               <a:extLst>
                 <a:ext uri="{91240B29-F687-4f45-9708-019B960494DF}">
-                  <a14:hiddenLine xmlns:a14="http://schemas.microsoft.com/office/drawing/2010/main" xmlns="" w="9525">
+                  <a14:hiddenLine xmlns="" xmlns:a14="http://schemas.microsoft.com/office/drawing/2010/main" w="9525">
                     <a:solidFill>
                       <a:srgbClr val="000000"/>
                     </a:solidFill>
@@ -9602,7 +9620,7 @@
               </a:ln>
               <a:extLst>
                 <a:ext uri="{91240B29-F687-4f45-9708-019B960494DF}">
-                  <a14:hiddenLine xmlns:a14="http://schemas.microsoft.com/office/drawing/2010/main" xmlns="" w="9525">
+                  <a14:hiddenLine xmlns="" xmlns:a14="http://schemas.microsoft.com/office/drawing/2010/main" w="9525">
                     <a:solidFill>
                       <a:srgbClr val="000000"/>
                     </a:solidFill>
@@ -9692,7 +9710,7 @@
               </a:ln>
               <a:extLst>
                 <a:ext uri="{91240B29-F687-4f45-9708-019B960494DF}">
-                  <a14:hiddenLine xmlns:a14="http://schemas.microsoft.com/office/drawing/2010/main" xmlns="" w="9525">
+                  <a14:hiddenLine xmlns="" xmlns:a14="http://schemas.microsoft.com/office/drawing/2010/main" w="9525">
                     <a:solidFill>
                       <a:srgbClr val="000000"/>
                     </a:solidFill>
@@ -9754,7 +9772,7 @@
               </a:ln>
               <a:extLst>
                 <a:ext uri="{91240B29-F687-4f45-9708-019B960494DF}">
-                  <a14:hiddenLine xmlns:a14="http://schemas.microsoft.com/office/drawing/2010/main" xmlns="" w="9525">
+                  <a14:hiddenLine xmlns="" xmlns:a14="http://schemas.microsoft.com/office/drawing/2010/main" w="9525">
                     <a:solidFill>
                       <a:srgbClr val="000000"/>
                     </a:solidFill>
@@ -9864,7 +9882,7 @@
               </a:ln>
               <a:extLst>
                 <a:ext uri="{91240B29-F687-4f45-9708-019B960494DF}">
-                  <a14:hiddenLine xmlns:a14="http://schemas.microsoft.com/office/drawing/2010/main" xmlns="" w="9525">
+                  <a14:hiddenLine xmlns="" xmlns:a14="http://schemas.microsoft.com/office/drawing/2010/main" w="9525">
                     <a:solidFill>
                       <a:srgbClr val="000000"/>
                     </a:solidFill>
@@ -9948,7 +9966,7 @@
               </a:ln>
               <a:extLst>
                 <a:ext uri="{91240B29-F687-4f45-9708-019B960494DF}">
-                  <a14:hiddenLine xmlns:a14="http://schemas.microsoft.com/office/drawing/2010/main" xmlns="" w="9525">
+                  <a14:hiddenLine xmlns="" xmlns:a14="http://schemas.microsoft.com/office/drawing/2010/main" w="9525">
                     <a:solidFill>
                       <a:srgbClr val="000000"/>
                     </a:solidFill>
@@ -10010,7 +10028,7 @@
               </a:ln>
               <a:extLst>
                 <a:ext uri="{91240B29-F687-4f45-9708-019B960494DF}">
-                  <a14:hiddenLine xmlns:a14="http://schemas.microsoft.com/office/drawing/2010/main" xmlns="" w="9525">
+                  <a14:hiddenLine xmlns="" xmlns:a14="http://schemas.microsoft.com/office/drawing/2010/main" w="9525">
                     <a:solidFill>
                       <a:srgbClr val="000000"/>
                     </a:solidFill>
@@ -10072,7 +10090,7 @@
               </a:ln>
               <a:extLst>
                 <a:ext uri="{91240B29-F687-4f45-9708-019B960494DF}">
-                  <a14:hiddenLine xmlns:a14="http://schemas.microsoft.com/office/drawing/2010/main" xmlns="" w="9525">
+                  <a14:hiddenLine xmlns="" xmlns:a14="http://schemas.microsoft.com/office/drawing/2010/main" w="9525">
                     <a:solidFill>
                       <a:srgbClr val="000000"/>
                     </a:solidFill>
@@ -10162,7 +10180,7 @@
               </a:ln>
               <a:extLst>
                 <a:ext uri="{91240B29-F687-4f45-9708-019B960494DF}">
-                  <a14:hiddenLine xmlns:a14="http://schemas.microsoft.com/office/drawing/2010/main" xmlns="" w="9525">
+                  <a14:hiddenLine xmlns="" xmlns:a14="http://schemas.microsoft.com/office/drawing/2010/main" w="9525">
                     <a:solidFill>
                       <a:srgbClr val="000000"/>
                     </a:solidFill>
@@ -10196,7 +10214,7 @@
               </a:ln>
               <a:extLst>
                 <a:ext uri="{91240B29-F687-4f45-9708-019B960494DF}">
-                  <a14:hiddenLine xmlns:a14="http://schemas.microsoft.com/office/drawing/2010/main" xmlns="" w="9525">
+                  <a14:hiddenLine xmlns="" xmlns:a14="http://schemas.microsoft.com/office/drawing/2010/main" w="9525">
                     <a:solidFill>
                       <a:srgbClr val="000000"/>
                     </a:solidFill>
@@ -10261,7 +10279,7 @@
               </a:ln>
               <a:extLst>
                 <a:ext uri="{91240B29-F687-4f45-9708-019B960494DF}">
-                  <a14:hiddenLine xmlns:a14="http://schemas.microsoft.com/office/drawing/2010/main" xmlns="" w="9525">
+                  <a14:hiddenLine xmlns="" xmlns:a14="http://schemas.microsoft.com/office/drawing/2010/main" w="9525">
                     <a:solidFill>
                       <a:srgbClr val="000000"/>
                     </a:solidFill>
@@ -10351,7 +10369,7 @@
               </a:ln>
               <a:extLst>
                 <a:ext uri="{91240B29-F687-4f45-9708-019B960494DF}">
-                  <a14:hiddenLine xmlns:a14="http://schemas.microsoft.com/office/drawing/2010/main" xmlns="" w="9525">
+                  <a14:hiddenLine xmlns="" xmlns:a14="http://schemas.microsoft.com/office/drawing/2010/main" w="9525">
                     <a:solidFill>
                       <a:srgbClr val="000000"/>
                     </a:solidFill>
@@ -10413,7 +10431,7 @@
               </a:ln>
               <a:extLst>
                 <a:ext uri="{91240B29-F687-4f45-9708-019B960494DF}">
-                  <a14:hiddenLine xmlns:a14="http://schemas.microsoft.com/office/drawing/2010/main" xmlns="" w="9525">
+                  <a14:hiddenLine xmlns="" xmlns:a14="http://schemas.microsoft.com/office/drawing/2010/main" w="9525">
                     <a:solidFill>
                       <a:srgbClr val="000000"/>
                     </a:solidFill>
@@ -10503,7 +10521,7 @@
               </a:ln>
               <a:extLst>
                 <a:ext uri="{91240B29-F687-4f45-9708-019B960494DF}">
-                  <a14:hiddenLine xmlns:a14="http://schemas.microsoft.com/office/drawing/2010/main" xmlns="" w="9525">
+                  <a14:hiddenLine xmlns="" xmlns:a14="http://schemas.microsoft.com/office/drawing/2010/main" w="9525">
                     <a:solidFill>
                       <a:srgbClr val="000000"/>
                     </a:solidFill>
@@ -10568,7 +10586,7 @@
               </a:ln>
               <a:extLst>
                 <a:ext uri="{91240B29-F687-4f45-9708-019B960494DF}">
-                  <a14:hiddenLine xmlns:a14="http://schemas.microsoft.com/office/drawing/2010/main" xmlns="" w="9525">
+                  <a14:hiddenLine xmlns="" xmlns:a14="http://schemas.microsoft.com/office/drawing/2010/main" w="9525">
                     <a:solidFill>
                       <a:srgbClr val="000000"/>
                     </a:solidFill>
@@ -10630,7 +10648,7 @@
               </a:ln>
               <a:extLst>
                 <a:ext uri="{91240B29-F687-4f45-9708-019B960494DF}">
-                  <a14:hiddenLine xmlns:a14="http://schemas.microsoft.com/office/drawing/2010/main" xmlns="" w="9525">
+                  <a14:hiddenLine xmlns="" xmlns:a14="http://schemas.microsoft.com/office/drawing/2010/main" w="9525">
                     <a:solidFill>
                       <a:srgbClr val="000000"/>
                     </a:solidFill>
@@ -10720,7 +10738,7 @@
               </a:ln>
               <a:extLst>
                 <a:ext uri="{91240B29-F687-4f45-9708-019B960494DF}">
-                  <a14:hiddenLine xmlns:a14="http://schemas.microsoft.com/office/drawing/2010/main" xmlns="" w="9525">
+                  <a14:hiddenLine xmlns="" xmlns:a14="http://schemas.microsoft.com/office/drawing/2010/main" w="9525">
                     <a:solidFill>
                       <a:srgbClr val="000000"/>
                     </a:solidFill>
@@ -10810,7 +10828,7 @@
               </a:ln>
               <a:extLst>
                 <a:ext uri="{91240B29-F687-4f45-9708-019B960494DF}">
-                  <a14:hiddenLine xmlns:a14="http://schemas.microsoft.com/office/drawing/2010/main" xmlns="" w="9525">
+                  <a14:hiddenLine xmlns="" xmlns:a14="http://schemas.microsoft.com/office/drawing/2010/main" w="9525">
                     <a:solidFill>
                       <a:srgbClr val="000000"/>
                     </a:solidFill>
@@ -10875,7 +10893,7 @@
               </a:ln>
               <a:extLst>
                 <a:ext uri="{91240B29-F687-4f45-9708-019B960494DF}">
-                  <a14:hiddenLine xmlns:a14="http://schemas.microsoft.com/office/drawing/2010/main" xmlns="" w="9525">
+                  <a14:hiddenLine xmlns="" xmlns:a14="http://schemas.microsoft.com/office/drawing/2010/main" w="9525">
                     <a:solidFill>
                       <a:srgbClr val="000000"/>
                     </a:solidFill>
@@ -10995,7 +11013,7 @@
               </a:ln>
               <a:extLst>
                 <a:ext uri="{91240B29-F687-4f45-9708-019B960494DF}">
-                  <a14:hiddenLine xmlns:a14="http://schemas.microsoft.com/office/drawing/2010/main" xmlns="" w="9525">
+                  <a14:hiddenLine xmlns="" xmlns:a14="http://schemas.microsoft.com/office/drawing/2010/main" w="9525">
                     <a:solidFill>
                       <a:srgbClr val="000000"/>
                     </a:solidFill>
@@ -11076,7 +11094,7 @@
               </a:ln>
               <a:extLst>
                 <a:ext uri="{91240B29-F687-4f45-9708-019B960494DF}">
-                  <a14:hiddenLine xmlns:a14="http://schemas.microsoft.com/office/drawing/2010/main" xmlns="" w="9525">
+                  <a14:hiddenLine xmlns="" xmlns:a14="http://schemas.microsoft.com/office/drawing/2010/main" w="9525">
                     <a:solidFill>
                       <a:srgbClr val="000000"/>
                     </a:solidFill>
@@ -11191,7 +11209,7 @@
               </a:ln>
               <a:extLst>
                 <a:ext uri="{91240B29-F687-4f45-9708-019B960494DF}">
-                  <a14:hiddenLine xmlns:a14="http://schemas.microsoft.com/office/drawing/2010/main" xmlns="" w="9525">
+                  <a14:hiddenLine xmlns="" xmlns:a14="http://schemas.microsoft.com/office/drawing/2010/main" w="9525">
                     <a:solidFill>
                       <a:srgbClr val="000000"/>
                     </a:solidFill>
@@ -11281,7 +11299,7 @@
               </a:ln>
               <a:extLst>
                 <a:ext uri="{91240B29-F687-4f45-9708-019B960494DF}">
-                  <a14:hiddenLine xmlns:a14="http://schemas.microsoft.com/office/drawing/2010/main" xmlns="" w="9525">
+                  <a14:hiddenLine xmlns="" xmlns:a14="http://schemas.microsoft.com/office/drawing/2010/main" w="9525">
                     <a:solidFill>
                       <a:srgbClr val="000000"/>
                     </a:solidFill>
@@ -11346,7 +11364,7 @@
               </a:ln>
               <a:extLst>
                 <a:ext uri="{91240B29-F687-4f45-9708-019B960494DF}">
-                  <a14:hiddenLine xmlns:a14="http://schemas.microsoft.com/office/drawing/2010/main" xmlns="" w="9525">
+                  <a14:hiddenLine xmlns="" xmlns:a14="http://schemas.microsoft.com/office/drawing/2010/main" w="9525">
                     <a:solidFill>
                       <a:srgbClr val="000000"/>
                     </a:solidFill>
@@ -11436,7 +11454,7 @@
               </a:ln>
               <a:extLst>
                 <a:ext uri="{91240B29-F687-4f45-9708-019B960494DF}">
-                  <a14:hiddenLine xmlns:a14="http://schemas.microsoft.com/office/drawing/2010/main" xmlns="" w="9525">
+                  <a14:hiddenLine xmlns="" xmlns:a14="http://schemas.microsoft.com/office/drawing/2010/main" w="9525">
                     <a:solidFill>
                       <a:srgbClr val="000000"/>
                     </a:solidFill>
@@ -11504,7 +11522,7 @@
               </a:ln>
               <a:extLst>
                 <a:ext uri="{91240B29-F687-4f45-9708-019B960494DF}">
-                  <a14:hiddenLine xmlns:a14="http://schemas.microsoft.com/office/drawing/2010/main" xmlns="" w="9525">
+                  <a14:hiddenLine xmlns="" xmlns:a14="http://schemas.microsoft.com/office/drawing/2010/main" w="9525">
                     <a:solidFill>
                       <a:srgbClr val="000000"/>
                     </a:solidFill>
@@ -11594,7 +11612,7 @@
               </a:ln>
               <a:extLst>
                 <a:ext uri="{91240B29-F687-4f45-9708-019B960494DF}">
-                  <a14:hiddenLine xmlns:a14="http://schemas.microsoft.com/office/drawing/2010/main" xmlns="" w="9525">
+                  <a14:hiddenLine xmlns="" xmlns:a14="http://schemas.microsoft.com/office/drawing/2010/main" w="9525">
                     <a:solidFill>
                       <a:srgbClr val="000000"/>
                     </a:solidFill>
@@ -11662,7 +11680,7 @@
               </a:ln>
               <a:extLst>
                 <a:ext uri="{91240B29-F687-4f45-9708-019B960494DF}">
-                  <a14:hiddenLine xmlns:a14="http://schemas.microsoft.com/office/drawing/2010/main" xmlns="" w="9525">
+                  <a14:hiddenLine xmlns="" xmlns:a14="http://schemas.microsoft.com/office/drawing/2010/main" w="9525">
                     <a:solidFill>
                       <a:srgbClr val="000000"/>
                     </a:solidFill>
@@ -11752,7 +11770,7 @@
               </a:ln>
               <a:extLst>
                 <a:ext uri="{91240B29-F687-4f45-9708-019B960494DF}">
-                  <a14:hiddenLine xmlns:a14="http://schemas.microsoft.com/office/drawing/2010/main" xmlns="" w="9525">
+                  <a14:hiddenLine xmlns="" xmlns:a14="http://schemas.microsoft.com/office/drawing/2010/main" w="9525">
                     <a:solidFill>
                       <a:srgbClr val="000000"/>
                     </a:solidFill>
@@ -11786,7 +11804,7 @@
               </a:ln>
               <a:extLst>
                 <a:ext uri="{91240B29-F687-4f45-9708-019B960494DF}">
-                  <a14:hiddenLine xmlns:a14="http://schemas.microsoft.com/office/drawing/2010/main" xmlns="" w="9525">
+                  <a14:hiddenLine xmlns="" xmlns:a14="http://schemas.microsoft.com/office/drawing/2010/main" w="9525">
                     <a:solidFill>
                       <a:srgbClr val="000000"/>
                     </a:solidFill>
@@ -11927,7 +11945,7 @@
             <a:fld id="{48A87A34-81AB-432B-8DAE-1953F412C126}" type="datetimeFigureOut">
               <a:rPr lang="en-US" dirty="0"/>
               <a:pPr/>
-              <a:t>9/14/2020</a:t>
+              <a:t>9/15/2020</a:t>
             </a:fld>
             <a:endParaRPr lang="en-US" dirty="0"/>
           </a:p>
@@ -12384,7 +12402,126 @@
 </p:sld>
 </file>
 
-<file path=ppt/slides/slide2.xml><?xml version="1.0" encoding="utf-8"?>
+<file path=ppt/slides/slide10.xml><?xml version="1.0" encoding="utf-8"?>
+<p:sld xmlns:a="http://schemas.openxmlformats.org/drawingml/2006/main" xmlns:r="http://schemas.openxmlformats.org/officeDocument/2006/relationships" xmlns:p="http://schemas.openxmlformats.org/presentationml/2006/main">
+  <p:cSld>
+    <p:spTree>
+      <p:nvGrpSpPr>
+        <p:cNvPr id="1" name=""/>
+        <p:cNvGrpSpPr/>
+        <p:nvPr/>
+      </p:nvGrpSpPr>
+      <p:grpSpPr>
+        <a:xfrm>
+          <a:off x="0" y="0"/>
+          <a:ext cx="0" cy="0"/>
+          <a:chOff x="0" y="0"/>
+          <a:chExt cx="0" cy="0"/>
+        </a:xfrm>
+      </p:grpSpPr>
+      <p:pic>
+        <p:nvPicPr>
+          <p:cNvPr id="5" name="Espaço Reservado para Conteúdo 4">
+            <a:extLst>
+              <a:ext uri="{FF2B5EF4-FFF2-40B4-BE49-F238E27FC236}">
+                <a16:creationId xmlns:a16="http://schemas.microsoft.com/office/drawing/2014/main" id="{A6AE6E47-9EFE-4F4A-992F-10F94C579B88}"/>
+              </a:ext>
+            </a:extLst>
+          </p:cNvPr>
+          <p:cNvPicPr>
+            <a:picLocks noGrp="1" noChangeAspect="1"/>
+          </p:cNvPicPr>
+          <p:nvPr>
+            <p:ph idx="1"/>
+          </p:nvPr>
+        </p:nvPicPr>
+        <p:blipFill>
+          <a:blip r:embed="rId2"/>
+          <a:stretch>
+            <a:fillRect/>
+          </a:stretch>
+        </p:blipFill>
+        <p:spPr>
+          <a:xfrm>
+            <a:off x="8627559" y="1085850"/>
+            <a:ext cx="2322599" cy="5029200"/>
+          </a:xfrm>
+        </p:spPr>
+      </p:pic>
+      <p:pic>
+        <p:nvPicPr>
+          <p:cNvPr id="7" name="Imagem 6">
+            <a:extLst>
+              <a:ext uri="{FF2B5EF4-FFF2-40B4-BE49-F238E27FC236}">
+                <a16:creationId xmlns:a16="http://schemas.microsoft.com/office/drawing/2014/main" id="{E4F70361-74C3-4E92-AC9E-F59418630B8C}"/>
+              </a:ext>
+            </a:extLst>
+          </p:cNvPr>
+          <p:cNvPicPr>
+            <a:picLocks noChangeAspect="1"/>
+          </p:cNvPicPr>
+          <p:nvPr/>
+        </p:nvPicPr>
+        <p:blipFill>
+          <a:blip r:embed="rId3"/>
+          <a:stretch>
+            <a:fillRect/>
+          </a:stretch>
+        </p:blipFill>
+        <p:spPr>
+          <a:xfrm>
+            <a:off x="5205105" y="1085850"/>
+            <a:ext cx="2322599" cy="5029200"/>
+          </a:xfrm>
+          <a:prstGeom prst="rect">
+            <a:avLst/>
+          </a:prstGeom>
+        </p:spPr>
+      </p:pic>
+      <p:pic>
+        <p:nvPicPr>
+          <p:cNvPr id="9" name="Imagem 8">
+            <a:extLst>
+              <a:ext uri="{FF2B5EF4-FFF2-40B4-BE49-F238E27FC236}">
+                <a16:creationId xmlns:a16="http://schemas.microsoft.com/office/drawing/2014/main" id="{9F3EBE71-86ED-4D3C-8D8D-6F6CC8C63F0A}"/>
+              </a:ext>
+            </a:extLst>
+          </p:cNvPr>
+          <p:cNvPicPr>
+            <a:picLocks noChangeAspect="1"/>
+          </p:cNvPicPr>
+          <p:nvPr/>
+        </p:nvPicPr>
+        <p:blipFill>
+          <a:blip r:embed="rId4"/>
+          <a:stretch>
+            <a:fillRect/>
+          </a:stretch>
+        </p:blipFill>
+        <p:spPr>
+          <a:xfrm>
+            <a:off x="1782652" y="1085850"/>
+            <a:ext cx="2322599" cy="5029200"/>
+          </a:xfrm>
+          <a:prstGeom prst="rect">
+            <a:avLst/>
+          </a:prstGeom>
+        </p:spPr>
+      </p:pic>
+    </p:spTree>
+    <p:extLst>
+      <p:ext uri="{BB962C8B-B14F-4D97-AF65-F5344CB8AC3E}">
+        <p14:creationId xmlns:p14="http://schemas.microsoft.com/office/powerpoint/2010/main" val="1380802385"/>
+      </p:ext>
+    </p:extLst>
+  </p:cSld>
+  <p:clrMapOvr>
+    <a:masterClrMapping/>
+  </p:clrMapOvr>
+</p:sld>
+</file>
+
+<file path=ppt/slides/slide11.xml><?xml version="1.0" encoding="utf-8"?>
 <p:sld xmlns:a="http://schemas.openxmlformats.org/drawingml/2006/main" xmlns:r="http://schemas.openxmlformats.org/officeDocument/2006/relationships" xmlns:p="http://schemas.openxmlformats.org/presentationml/2006/main">
   <p:cSld>
     <p:spTree>
@@ -12406,7 +12543,7 @@
           <p:cNvPr id="2" name="Título 1">
             <a:extLst>
               <a:ext uri="{FF2B5EF4-FFF2-40B4-BE49-F238E27FC236}">
-                <a16:creationId xmlns:a16="http://schemas.microsoft.com/office/drawing/2014/main" id="{3D87BB1C-DF87-430A-8D24-6C98069261DA}"/>
+                <a16:creationId xmlns:a16="http://schemas.microsoft.com/office/drawing/2014/main" id="{12DA6415-BB9F-4578-9354-1EC86CBF48E7}"/>
               </a:ext>
             </a:extLst>
           </p:cNvPr>
@@ -12424,7 +12561,7 @@
           <a:p>
             <a:r>
               <a:rPr lang="pt-BR" dirty="0"/>
-              <a:t>Experiencia</a:t>
+              <a:t>BACKEND – NODE JS</a:t>
             </a:r>
           </a:p>
         </p:txBody>
@@ -12434,7 +12571,7 @@
           <p:cNvPr id="3" name="Espaço Reservado para Conteúdo 2">
             <a:extLst>
               <a:ext uri="{FF2B5EF4-FFF2-40B4-BE49-F238E27FC236}">
-                <a16:creationId xmlns:a16="http://schemas.microsoft.com/office/drawing/2014/main" id="{BC61EE71-ABF0-4D45-B374-01396EA5CF53}"/>
+                <a16:creationId xmlns:a16="http://schemas.microsoft.com/office/drawing/2014/main" id="{76B9D08C-C168-4267-BF18-B38DBA43490F}"/>
               </a:ext>
             </a:extLst>
           </p:cNvPr>
@@ -12452,45 +12589,33 @@
           <a:p>
             <a:r>
               <a:rPr lang="pt-BR" dirty="0"/>
-              <a:t>Oportunidade</a:t>
+              <a:t>Express - Rotas</a:t>
             </a:r>
           </a:p>
           <a:p>
-            <a:pPr marL="0" indent="0">
-              <a:buNone/>
-            </a:pPr>
             <a:endParaRPr lang="pt-BR" dirty="0"/>
           </a:p>
           <a:p>
             <a:r>
               <a:rPr lang="pt-BR" dirty="0"/>
-              <a:t>Valor</a:t>
+              <a:t>Sequelize - ORM</a:t>
             </a:r>
           </a:p>
           <a:p>
-            <a:pPr marL="0" indent="0">
-              <a:buNone/>
-            </a:pPr>
             <a:endParaRPr lang="pt-BR" dirty="0"/>
           </a:p>
           <a:p>
             <a:r>
               <a:rPr lang="pt-BR" dirty="0"/>
-              <a:t>Conhecimento</a:t>
+              <a:t>Knex - Sintaxe</a:t>
             </a:r>
-          </a:p>
-          <a:p>
-            <a:endParaRPr lang="pt-BR" dirty="0"/>
-          </a:p>
-          <a:p>
-            <a:endParaRPr lang="pt-BR" dirty="0"/>
           </a:p>
         </p:txBody>
       </p:sp>
     </p:spTree>
     <p:extLst>
       <p:ext uri="{BB962C8B-B14F-4D97-AF65-F5344CB8AC3E}">
-        <p14:creationId xmlns:p14="http://schemas.microsoft.com/office/powerpoint/2010/main" val="990064343"/>
+        <p14:creationId xmlns:p14="http://schemas.microsoft.com/office/powerpoint/2010/main" val="2145644159"/>
       </p:ext>
     </p:extLst>
   </p:cSld>
@@ -12500,7 +12625,346 @@
 </p:sld>
 </file>
 
-<file path=ppt/slides/slide3.xml><?xml version="1.0" encoding="utf-8"?>
+<file path=ppt/slides/slide12.xml><?xml version="1.0" encoding="utf-8"?>
+<p:sld xmlns:a="http://schemas.openxmlformats.org/drawingml/2006/main" xmlns:r="http://schemas.openxmlformats.org/officeDocument/2006/relationships" xmlns:p="http://schemas.openxmlformats.org/presentationml/2006/main">
+  <p:cSld>
+    <p:spTree>
+      <p:nvGrpSpPr>
+        <p:cNvPr id="1" name=""/>
+        <p:cNvGrpSpPr/>
+        <p:nvPr/>
+      </p:nvGrpSpPr>
+      <p:grpSpPr>
+        <a:xfrm>
+          <a:off x="0" y="0"/>
+          <a:ext cx="0" cy="0"/>
+          <a:chOff x="0" y="0"/>
+          <a:chExt cx="0" cy="0"/>
+        </a:xfrm>
+      </p:grpSpPr>
+      <p:sp>
+        <p:nvSpPr>
+          <p:cNvPr id="2" name="Título 1">
+            <a:extLst>
+              <a:ext uri="{FF2B5EF4-FFF2-40B4-BE49-F238E27FC236}">
+                <a16:creationId xmlns:a16="http://schemas.microsoft.com/office/drawing/2014/main" id="{5A0A7B85-EE13-402C-B1D1-0CB90A8ADEBB}"/>
+              </a:ext>
+            </a:extLst>
+          </p:cNvPr>
+          <p:cNvSpPr>
+            <a:spLocks noGrp="1"/>
+          </p:cNvSpPr>
+          <p:nvPr>
+            <p:ph type="title"/>
+          </p:nvPr>
+        </p:nvSpPr>
+        <p:spPr/>
+        <p:txBody>
+          <a:bodyPr/>
+          <a:lstStyle/>
+          <a:p>
+            <a:r>
+              <a:rPr lang="pt-BR" dirty="0"/>
+              <a:t>Backend – node </a:t>
+            </a:r>
+            <a:r>
+              <a:rPr lang="pt-BR" dirty="0" err="1"/>
+              <a:t>js</a:t>
+            </a:r>
+            <a:endParaRPr lang="pt-BR" dirty="0"/>
+          </a:p>
+        </p:txBody>
+      </p:sp>
+      <p:sp>
+        <p:nvSpPr>
+          <p:cNvPr id="3" name="Espaço Reservado para Conteúdo 2">
+            <a:extLst>
+              <a:ext uri="{FF2B5EF4-FFF2-40B4-BE49-F238E27FC236}">
+                <a16:creationId xmlns:a16="http://schemas.microsoft.com/office/drawing/2014/main" id="{1E5700C6-595C-4414-AD1B-FC1DF20A9CD5}"/>
+              </a:ext>
+            </a:extLst>
+          </p:cNvPr>
+          <p:cNvSpPr>
+            <a:spLocks noGrp="1"/>
+          </p:cNvSpPr>
+          <p:nvPr>
+            <p:ph idx="1"/>
+          </p:nvPr>
+        </p:nvSpPr>
+        <p:spPr/>
+        <p:txBody>
+          <a:bodyPr/>
+          <a:lstStyle/>
+          <a:p>
+            <a:r>
+              <a:rPr lang="pt-BR" dirty="0"/>
+              <a:t>Banco de Dados – MySQL Workbench</a:t>
+            </a:r>
+          </a:p>
+          <a:p>
+            <a:endParaRPr lang="pt-BR" dirty="0"/>
+          </a:p>
+          <a:p>
+            <a:r>
+              <a:rPr lang="pt-BR" dirty="0"/>
+              <a:t>Migrations, models, controllers</a:t>
+            </a:r>
+          </a:p>
+          <a:p>
+            <a:endParaRPr lang="pt-BR" dirty="0"/>
+          </a:p>
+          <a:p>
+            <a:r>
+              <a:rPr lang="pt-BR" dirty="0"/>
+              <a:t>Relacionamentos</a:t>
+            </a:r>
+          </a:p>
+        </p:txBody>
+      </p:sp>
+    </p:spTree>
+    <p:extLst>
+      <p:ext uri="{BB962C8B-B14F-4D97-AF65-F5344CB8AC3E}">
+        <p14:creationId xmlns:p14="http://schemas.microsoft.com/office/powerpoint/2010/main" val="4113272238"/>
+      </p:ext>
+    </p:extLst>
+  </p:cSld>
+  <p:clrMapOvr>
+    <a:masterClrMapping/>
+  </p:clrMapOvr>
+</p:sld>
+</file>
+
+<file path=ppt/slides/slide13.xml><?xml version="1.0" encoding="utf-8"?>
+<p:sld xmlns:a="http://schemas.openxmlformats.org/drawingml/2006/main" xmlns:r="http://schemas.openxmlformats.org/officeDocument/2006/relationships" xmlns:p="http://schemas.openxmlformats.org/presentationml/2006/main">
+  <p:cSld>
+    <p:spTree>
+      <p:nvGrpSpPr>
+        <p:cNvPr id="1" name=""/>
+        <p:cNvGrpSpPr/>
+        <p:nvPr/>
+      </p:nvGrpSpPr>
+      <p:grpSpPr>
+        <a:xfrm>
+          <a:off x="0" y="0"/>
+          <a:ext cx="0" cy="0"/>
+          <a:chOff x="0" y="0"/>
+          <a:chExt cx="0" cy="0"/>
+        </a:xfrm>
+      </p:grpSpPr>
+      <p:sp>
+        <p:nvSpPr>
+          <p:cNvPr id="2" name="Título 1">
+            <a:extLst>
+              <a:ext uri="{FF2B5EF4-FFF2-40B4-BE49-F238E27FC236}">
+                <a16:creationId xmlns:a16="http://schemas.microsoft.com/office/drawing/2014/main" id="{0B599A9C-0DA2-49CE-829F-D4C572691F92}"/>
+              </a:ext>
+            </a:extLst>
+          </p:cNvPr>
+          <p:cNvSpPr>
+            <a:spLocks noGrp="1"/>
+          </p:cNvSpPr>
+          <p:nvPr>
+            <p:ph type="title"/>
+          </p:nvPr>
+        </p:nvSpPr>
+        <p:spPr/>
+        <p:txBody>
+          <a:bodyPr/>
+          <a:lstStyle/>
+          <a:p>
+            <a:r>
+              <a:rPr lang="pt-BR" dirty="0"/>
+              <a:t>	Mobile</a:t>
+            </a:r>
+          </a:p>
+        </p:txBody>
+      </p:sp>
+      <p:sp>
+        <p:nvSpPr>
+          <p:cNvPr id="3" name="Espaço Reservado para Conteúdo 2">
+            <a:extLst>
+              <a:ext uri="{FF2B5EF4-FFF2-40B4-BE49-F238E27FC236}">
+                <a16:creationId xmlns:a16="http://schemas.microsoft.com/office/drawing/2014/main" id="{5CE23198-895A-4222-8392-4C879DA90344}"/>
+              </a:ext>
+            </a:extLst>
+          </p:cNvPr>
+          <p:cNvSpPr>
+            <a:spLocks noGrp="1"/>
+          </p:cNvSpPr>
+          <p:nvPr>
+            <p:ph idx="1"/>
+          </p:nvPr>
+        </p:nvSpPr>
+        <p:spPr/>
+        <p:txBody>
+          <a:bodyPr/>
+          <a:lstStyle/>
+          <a:p>
+            <a:r>
+              <a:rPr lang="pt-BR" dirty="0"/>
+              <a:t>Expo</a:t>
+            </a:r>
+          </a:p>
+          <a:p>
+            <a:endParaRPr lang="pt-BR" dirty="0"/>
+          </a:p>
+          <a:p>
+            <a:r>
+              <a:rPr lang="pt-BR" dirty="0"/>
+              <a:t>React </a:t>
+            </a:r>
+            <a:r>
+              <a:rPr lang="pt-BR" dirty="0" err="1"/>
+              <a:t>Navigation</a:t>
+            </a:r>
+            <a:r>
+              <a:rPr lang="pt-BR" dirty="0"/>
+              <a:t> – </a:t>
+            </a:r>
+            <a:r>
+              <a:rPr lang="pt-BR" dirty="0" err="1"/>
+              <a:t>Stack</a:t>
+            </a:r>
+            <a:r>
+              <a:rPr lang="pt-BR" dirty="0"/>
+              <a:t> e </a:t>
+            </a:r>
+            <a:r>
+              <a:rPr lang="pt-BR" dirty="0" err="1"/>
+              <a:t>Drawer</a:t>
+            </a:r>
+            <a:endParaRPr lang="pt-BR" dirty="0"/>
+          </a:p>
+          <a:p>
+            <a:endParaRPr lang="pt-BR" dirty="0"/>
+          </a:p>
+          <a:p>
+            <a:r>
+              <a:rPr lang="pt-BR" dirty="0" err="1"/>
+              <a:t>Axios</a:t>
+            </a:r>
+            <a:endParaRPr lang="pt-BR" dirty="0"/>
+          </a:p>
+        </p:txBody>
+      </p:sp>
+    </p:spTree>
+    <p:extLst>
+      <p:ext uri="{BB962C8B-B14F-4D97-AF65-F5344CB8AC3E}">
+        <p14:creationId xmlns:p14="http://schemas.microsoft.com/office/powerpoint/2010/main" val="3496833987"/>
+      </p:ext>
+    </p:extLst>
+  </p:cSld>
+  <p:clrMapOvr>
+    <a:masterClrMapping/>
+  </p:clrMapOvr>
+</p:sld>
+</file>
+
+<file path=ppt/slides/slide14.xml><?xml version="1.0" encoding="utf-8"?>
+<p:sld xmlns:a="http://schemas.openxmlformats.org/drawingml/2006/main" xmlns:r="http://schemas.openxmlformats.org/officeDocument/2006/relationships" xmlns:p="http://schemas.openxmlformats.org/presentationml/2006/main">
+  <p:cSld>
+    <p:spTree>
+      <p:nvGrpSpPr>
+        <p:cNvPr id="1" name=""/>
+        <p:cNvGrpSpPr/>
+        <p:nvPr/>
+      </p:nvGrpSpPr>
+      <p:grpSpPr>
+        <a:xfrm>
+          <a:off x="0" y="0"/>
+          <a:ext cx="0" cy="0"/>
+          <a:chOff x="0" y="0"/>
+          <a:chExt cx="0" cy="0"/>
+        </a:xfrm>
+      </p:grpSpPr>
+      <p:sp>
+        <p:nvSpPr>
+          <p:cNvPr id="2" name="Título 1">
+            <a:extLst>
+              <a:ext uri="{FF2B5EF4-FFF2-40B4-BE49-F238E27FC236}">
+                <a16:creationId xmlns:a16="http://schemas.microsoft.com/office/drawing/2014/main" id="{57D692A6-3C3F-4006-8F7C-9E55281C5742}"/>
+              </a:ext>
+            </a:extLst>
+          </p:cNvPr>
+          <p:cNvSpPr>
+            <a:spLocks noGrp="1"/>
+          </p:cNvSpPr>
+          <p:nvPr>
+            <p:ph type="title"/>
+          </p:nvPr>
+        </p:nvSpPr>
+        <p:spPr/>
+        <p:txBody>
+          <a:bodyPr/>
+          <a:lstStyle/>
+          <a:p>
+            <a:r>
+              <a:rPr lang="pt-BR" dirty="0"/>
+              <a:t>MOBILE</a:t>
+            </a:r>
+          </a:p>
+        </p:txBody>
+      </p:sp>
+      <p:sp>
+        <p:nvSpPr>
+          <p:cNvPr id="3" name="Espaço Reservado para Conteúdo 2">
+            <a:extLst>
+              <a:ext uri="{FF2B5EF4-FFF2-40B4-BE49-F238E27FC236}">
+                <a16:creationId xmlns:a16="http://schemas.microsoft.com/office/drawing/2014/main" id="{6194E0F8-F2B8-424F-A0E5-C80A1223F422}"/>
+              </a:ext>
+            </a:extLst>
+          </p:cNvPr>
+          <p:cNvSpPr>
+            <a:spLocks noGrp="1"/>
+          </p:cNvSpPr>
+          <p:nvPr>
+            <p:ph idx="1"/>
+          </p:nvPr>
+        </p:nvSpPr>
+        <p:spPr/>
+        <p:txBody>
+          <a:bodyPr/>
+          <a:lstStyle/>
+          <a:p>
+            <a:r>
+              <a:rPr lang="pt-BR" dirty="0"/>
+              <a:t>Rotas e Navegação</a:t>
+            </a:r>
+          </a:p>
+          <a:p>
+            <a:endParaRPr lang="pt-BR" dirty="0"/>
+          </a:p>
+          <a:p>
+            <a:r>
+              <a:rPr lang="pt-BR" dirty="0"/>
+              <a:t>Layouts</a:t>
+            </a:r>
+          </a:p>
+          <a:p>
+            <a:endParaRPr lang="pt-BR" dirty="0"/>
+          </a:p>
+          <a:p>
+            <a:r>
+              <a:rPr lang="pt-BR" dirty="0"/>
+              <a:t>API e funcionalidades</a:t>
+            </a:r>
+          </a:p>
+        </p:txBody>
+      </p:sp>
+    </p:spTree>
+    <p:extLst>
+      <p:ext uri="{BB962C8B-B14F-4D97-AF65-F5344CB8AC3E}">
+        <p14:creationId xmlns:p14="http://schemas.microsoft.com/office/powerpoint/2010/main" val="1226108707"/>
+      </p:ext>
+    </p:extLst>
+  </p:cSld>
+  <p:clrMapOvr>
+    <a:masterClrMapping/>
+  </p:clrMapOvr>
+</p:sld>
+</file>
+
+<file path=ppt/slides/slide15.xml><?xml version="1.0" encoding="utf-8"?>
 <p:sld xmlns:a="http://schemas.openxmlformats.org/drawingml/2006/main" xmlns:r="http://schemas.openxmlformats.org/officeDocument/2006/relationships" xmlns:p="http://schemas.openxmlformats.org/presentationml/2006/main">
   <p:cSld>
     <p:spTree>
@@ -12812,7 +13276,7 @@
           </a:lstStyle>
           <a:p>
             <a:r>
-              <a:rPr lang="pt-BR" sz="3200"/>
+              <a:rPr lang="pt-BR" sz="3200" dirty="0"/>
               <a:t>GITHUB</a:t>
             </a:r>
           </a:p>
@@ -12821,27 +13285,27 @@
               <a:buFont typeface="Arial" panose="020B0604020202020204" pitchFamily="34" charset="0"/>
               <a:buNone/>
             </a:pPr>
-            <a:endParaRPr lang="pt-BR" sz="3200"/>
+            <a:endParaRPr lang="pt-BR" sz="3200" dirty="0"/>
           </a:p>
           <a:p>
             <a:r>
-              <a:rPr lang="pt-BR" sz="3200"/>
+              <a:rPr lang="pt-BR" sz="3200" dirty="0"/>
               <a:t>GOOGLE DOCS</a:t>
             </a:r>
           </a:p>
           <a:p>
             <a:pPr algn="r"/>
-            <a:endParaRPr lang="pt-BR" sz="3200"/>
+            <a:endParaRPr lang="pt-BR" sz="3200" dirty="0"/>
           </a:p>
           <a:p>
             <a:r>
-              <a:rPr lang="pt-BR" sz="3200"/>
+              <a:rPr lang="pt-BR" sz="3200" dirty="0"/>
               <a:t>TRELLO</a:t>
             </a:r>
           </a:p>
           <a:p>
             <a:pPr algn="r"/>
-            <a:endParaRPr lang="pt-BR" sz="3200"/>
+            <a:endParaRPr lang="pt-BR" sz="3200" dirty="0"/>
           </a:p>
           <a:p>
             <a:endParaRPr lang="pt-BR" dirty="0"/>
@@ -12861,7 +13325,397 @@
 </p:sld>
 </file>
 
-<file path=ppt/slides/slide4.xml><?xml version="1.0" encoding="utf-8"?>
+<file path=ppt/slides/slide16.xml><?xml version="1.0" encoding="utf-8"?>
+<p:sld xmlns:a="http://schemas.openxmlformats.org/drawingml/2006/main" xmlns:r="http://schemas.openxmlformats.org/officeDocument/2006/relationships" xmlns:p="http://schemas.openxmlformats.org/presentationml/2006/main">
+  <p:cSld>
+    <p:spTree>
+      <p:nvGrpSpPr>
+        <p:cNvPr id="1" name=""/>
+        <p:cNvGrpSpPr/>
+        <p:nvPr/>
+      </p:nvGrpSpPr>
+      <p:grpSpPr>
+        <a:xfrm>
+          <a:off x="0" y="0"/>
+          <a:ext cx="0" cy="0"/>
+          <a:chOff x="0" y="0"/>
+          <a:chExt cx="0" cy="0"/>
+        </a:xfrm>
+      </p:grpSpPr>
+      <p:sp>
+        <p:nvSpPr>
+          <p:cNvPr id="2" name="Título 1">
+            <a:extLst>
+              <a:ext uri="{FF2B5EF4-FFF2-40B4-BE49-F238E27FC236}">
+                <a16:creationId xmlns:a16="http://schemas.microsoft.com/office/drawing/2014/main" id="{9033FF7B-C670-492E-8436-6E2297DC54AB}"/>
+              </a:ext>
+            </a:extLst>
+          </p:cNvPr>
+          <p:cNvSpPr>
+            <a:spLocks noGrp="1"/>
+          </p:cNvSpPr>
+          <p:nvPr>
+            <p:ph type="title"/>
+          </p:nvPr>
+        </p:nvSpPr>
+        <p:spPr/>
+        <p:txBody>
+          <a:bodyPr/>
+          <a:lstStyle/>
+          <a:p>
+            <a:r>
+              <a:rPr lang="pt-BR" dirty="0"/>
+              <a:t>Pontos fortes</a:t>
+            </a:r>
+          </a:p>
+        </p:txBody>
+      </p:sp>
+      <p:sp>
+        <p:nvSpPr>
+          <p:cNvPr id="3" name="Espaço Reservado para Conteúdo 2">
+            <a:extLst>
+              <a:ext uri="{FF2B5EF4-FFF2-40B4-BE49-F238E27FC236}">
+                <a16:creationId xmlns:a16="http://schemas.microsoft.com/office/drawing/2014/main" id="{B36FED80-8001-4D7A-9BC2-5EF69360A5FC}"/>
+              </a:ext>
+            </a:extLst>
+          </p:cNvPr>
+          <p:cNvSpPr>
+            <a:spLocks noGrp="1"/>
+          </p:cNvSpPr>
+          <p:nvPr>
+            <p:ph idx="1"/>
+          </p:nvPr>
+        </p:nvSpPr>
+        <p:spPr>
+          <a:xfrm>
+            <a:off x="1141412" y="2249487"/>
+            <a:ext cx="9905999" cy="3141663"/>
+          </a:xfrm>
+        </p:spPr>
+        <p:txBody>
+          <a:bodyPr/>
+          <a:lstStyle/>
+          <a:p>
+            <a:r>
+              <a:rPr lang="pt-BR" dirty="0"/>
+              <a:t>Logica de Programação</a:t>
+            </a:r>
+          </a:p>
+          <a:p>
+            <a:endParaRPr lang="pt-BR" dirty="0"/>
+          </a:p>
+          <a:p>
+            <a:r>
+              <a:rPr lang="pt-BR" dirty="0"/>
+              <a:t>Requisições</a:t>
+            </a:r>
+          </a:p>
+          <a:p>
+            <a:endParaRPr lang="pt-BR" dirty="0"/>
+          </a:p>
+          <a:p>
+            <a:r>
+              <a:rPr lang="pt-BR" dirty="0"/>
+              <a:t>Cronograma</a:t>
+            </a:r>
+          </a:p>
+        </p:txBody>
+      </p:sp>
+    </p:spTree>
+    <p:extLst>
+      <p:ext uri="{BB962C8B-B14F-4D97-AF65-F5344CB8AC3E}">
+        <p14:creationId xmlns:p14="http://schemas.microsoft.com/office/powerpoint/2010/main" val="10074704"/>
+      </p:ext>
+    </p:extLst>
+  </p:cSld>
+  <p:clrMapOvr>
+    <a:masterClrMapping/>
+  </p:clrMapOvr>
+</p:sld>
+</file>
+
+<file path=ppt/slides/slide17.xml><?xml version="1.0" encoding="utf-8"?>
+<p:sld xmlns:a="http://schemas.openxmlformats.org/drawingml/2006/main" xmlns:r="http://schemas.openxmlformats.org/officeDocument/2006/relationships" xmlns:p="http://schemas.openxmlformats.org/presentationml/2006/main">
+  <p:cSld>
+    <p:spTree>
+      <p:nvGrpSpPr>
+        <p:cNvPr id="1" name=""/>
+        <p:cNvGrpSpPr/>
+        <p:nvPr/>
+      </p:nvGrpSpPr>
+      <p:grpSpPr>
+        <a:xfrm>
+          <a:off x="0" y="0"/>
+          <a:ext cx="0" cy="0"/>
+          <a:chOff x="0" y="0"/>
+          <a:chExt cx="0" cy="0"/>
+        </a:xfrm>
+      </p:grpSpPr>
+      <p:sp>
+        <p:nvSpPr>
+          <p:cNvPr id="2" name="Título 1">
+            <a:extLst>
+              <a:ext uri="{FF2B5EF4-FFF2-40B4-BE49-F238E27FC236}">
+                <a16:creationId xmlns:a16="http://schemas.microsoft.com/office/drawing/2014/main" id="{AD8F9717-7554-4B86-80C1-977B9F202652}"/>
+              </a:ext>
+            </a:extLst>
+          </p:cNvPr>
+          <p:cNvSpPr>
+            <a:spLocks noGrp="1"/>
+          </p:cNvSpPr>
+          <p:nvPr>
+            <p:ph type="title"/>
+          </p:nvPr>
+        </p:nvSpPr>
+        <p:spPr/>
+        <p:txBody>
+          <a:bodyPr/>
+          <a:lstStyle/>
+          <a:p>
+            <a:r>
+              <a:rPr lang="pt-BR" dirty="0"/>
+              <a:t>Pontos fracos</a:t>
+            </a:r>
+          </a:p>
+        </p:txBody>
+      </p:sp>
+      <p:sp>
+        <p:nvSpPr>
+          <p:cNvPr id="3" name="Espaço Reservado para Conteúdo 2">
+            <a:extLst>
+              <a:ext uri="{FF2B5EF4-FFF2-40B4-BE49-F238E27FC236}">
+                <a16:creationId xmlns:a16="http://schemas.microsoft.com/office/drawing/2014/main" id="{F9E00E0F-6AD7-4A79-9A0C-CB2ED159EE7F}"/>
+              </a:ext>
+            </a:extLst>
+          </p:cNvPr>
+          <p:cNvSpPr>
+            <a:spLocks noGrp="1"/>
+          </p:cNvSpPr>
+          <p:nvPr>
+            <p:ph idx="1"/>
+          </p:nvPr>
+        </p:nvSpPr>
+        <p:spPr/>
+        <p:txBody>
+          <a:bodyPr/>
+          <a:lstStyle/>
+          <a:p>
+            <a:r>
+              <a:rPr lang="pt-BR" dirty="0"/>
+              <a:t>Relacionamento n – n</a:t>
+            </a:r>
+          </a:p>
+          <a:p>
+            <a:endParaRPr lang="pt-BR" dirty="0"/>
+          </a:p>
+          <a:p>
+            <a:r>
+              <a:rPr lang="pt-BR" dirty="0"/>
+              <a:t>Encadeamento de Rotas</a:t>
+            </a:r>
+          </a:p>
+          <a:p>
+            <a:endParaRPr lang="pt-BR" dirty="0"/>
+          </a:p>
+          <a:p>
+            <a:endParaRPr lang="pt-BR" dirty="0"/>
+          </a:p>
+        </p:txBody>
+      </p:sp>
+    </p:spTree>
+    <p:extLst>
+      <p:ext uri="{BB962C8B-B14F-4D97-AF65-F5344CB8AC3E}">
+        <p14:creationId xmlns:p14="http://schemas.microsoft.com/office/powerpoint/2010/main" val="2666891093"/>
+      </p:ext>
+    </p:extLst>
+  </p:cSld>
+  <p:clrMapOvr>
+    <a:masterClrMapping/>
+  </p:clrMapOvr>
+</p:sld>
+</file>
+
+<file path=ppt/slides/slide18.xml><?xml version="1.0" encoding="utf-8"?>
+<p:sld xmlns:a="http://schemas.openxmlformats.org/drawingml/2006/main" xmlns:r="http://schemas.openxmlformats.org/officeDocument/2006/relationships" xmlns:p="http://schemas.openxmlformats.org/presentationml/2006/main">
+  <p:cSld>
+    <p:spTree>
+      <p:nvGrpSpPr>
+        <p:cNvPr id="1" name=""/>
+        <p:cNvGrpSpPr/>
+        <p:nvPr/>
+      </p:nvGrpSpPr>
+      <p:grpSpPr>
+        <a:xfrm>
+          <a:off x="0" y="0"/>
+          <a:ext cx="0" cy="0"/>
+          <a:chOff x="0" y="0"/>
+          <a:chExt cx="0" cy="0"/>
+        </a:xfrm>
+      </p:grpSpPr>
+      <p:sp>
+        <p:nvSpPr>
+          <p:cNvPr id="2" name="Título 1">
+            <a:extLst>
+              <a:ext uri="{FF2B5EF4-FFF2-40B4-BE49-F238E27FC236}">
+                <a16:creationId xmlns:a16="http://schemas.microsoft.com/office/drawing/2014/main" id="{8B0B5959-9F46-48D3-9275-FDD58BA5191D}"/>
+              </a:ext>
+            </a:extLst>
+          </p:cNvPr>
+          <p:cNvSpPr>
+            <a:spLocks noGrp="1"/>
+          </p:cNvSpPr>
+          <p:nvPr>
+            <p:ph type="title"/>
+          </p:nvPr>
+        </p:nvSpPr>
+        <p:spPr>
+          <a:xfrm>
+            <a:off x="1143001" y="2689715"/>
+            <a:ext cx="9905998" cy="1478570"/>
+          </a:xfrm>
+        </p:spPr>
+        <p:txBody>
+          <a:bodyPr/>
+          <a:lstStyle/>
+          <a:p>
+            <a:pPr algn="ctr"/>
+            <a:r>
+              <a:rPr lang="pt-BR" dirty="0"/>
+              <a:t>Obrigado pela atenção</a:t>
+            </a:r>
+          </a:p>
+        </p:txBody>
+      </p:sp>
+    </p:spTree>
+    <p:extLst>
+      <p:ext uri="{BB962C8B-B14F-4D97-AF65-F5344CB8AC3E}">
+        <p14:creationId xmlns:p14="http://schemas.microsoft.com/office/powerpoint/2010/main" val="4104362097"/>
+      </p:ext>
+    </p:extLst>
+  </p:cSld>
+  <p:clrMapOvr>
+    <a:masterClrMapping/>
+  </p:clrMapOvr>
+</p:sld>
+</file>
+
+<file path=ppt/slides/slide2.xml><?xml version="1.0" encoding="utf-8"?>
+<p:sld xmlns:a="http://schemas.openxmlformats.org/drawingml/2006/main" xmlns:r="http://schemas.openxmlformats.org/officeDocument/2006/relationships" xmlns:p="http://schemas.openxmlformats.org/presentationml/2006/main">
+  <p:cSld>
+    <p:spTree>
+      <p:nvGrpSpPr>
+        <p:cNvPr id="1" name=""/>
+        <p:cNvGrpSpPr/>
+        <p:nvPr/>
+      </p:nvGrpSpPr>
+      <p:grpSpPr>
+        <a:xfrm>
+          <a:off x="0" y="0"/>
+          <a:ext cx="0" cy="0"/>
+          <a:chOff x="0" y="0"/>
+          <a:chExt cx="0" cy="0"/>
+        </a:xfrm>
+      </p:grpSpPr>
+      <p:sp>
+        <p:nvSpPr>
+          <p:cNvPr id="2" name="Título 1">
+            <a:extLst>
+              <a:ext uri="{FF2B5EF4-FFF2-40B4-BE49-F238E27FC236}">
+                <a16:creationId xmlns:a16="http://schemas.microsoft.com/office/drawing/2014/main" id="{3D87BB1C-DF87-430A-8D24-6C98069261DA}"/>
+              </a:ext>
+            </a:extLst>
+          </p:cNvPr>
+          <p:cNvSpPr>
+            <a:spLocks noGrp="1"/>
+          </p:cNvSpPr>
+          <p:nvPr>
+            <p:ph type="title"/>
+          </p:nvPr>
+        </p:nvSpPr>
+        <p:spPr/>
+        <p:txBody>
+          <a:bodyPr/>
+          <a:lstStyle/>
+          <a:p>
+            <a:r>
+              <a:rPr lang="pt-BR" dirty="0"/>
+              <a:t>Experiencia</a:t>
+            </a:r>
+          </a:p>
+        </p:txBody>
+      </p:sp>
+      <p:sp>
+        <p:nvSpPr>
+          <p:cNvPr id="3" name="Espaço Reservado para Conteúdo 2">
+            <a:extLst>
+              <a:ext uri="{FF2B5EF4-FFF2-40B4-BE49-F238E27FC236}">
+                <a16:creationId xmlns:a16="http://schemas.microsoft.com/office/drawing/2014/main" id="{BC61EE71-ABF0-4D45-B374-01396EA5CF53}"/>
+              </a:ext>
+            </a:extLst>
+          </p:cNvPr>
+          <p:cNvSpPr>
+            <a:spLocks noGrp="1"/>
+          </p:cNvSpPr>
+          <p:nvPr>
+            <p:ph idx="1"/>
+          </p:nvPr>
+        </p:nvSpPr>
+        <p:spPr/>
+        <p:txBody>
+          <a:bodyPr/>
+          <a:lstStyle/>
+          <a:p>
+            <a:r>
+              <a:rPr lang="pt-BR" dirty="0"/>
+              <a:t>Oportunidade</a:t>
+            </a:r>
+          </a:p>
+          <a:p>
+            <a:pPr marL="0" indent="0">
+              <a:buNone/>
+            </a:pPr>
+            <a:endParaRPr lang="pt-BR" dirty="0"/>
+          </a:p>
+          <a:p>
+            <a:r>
+              <a:rPr lang="pt-BR" dirty="0"/>
+              <a:t>Valor</a:t>
+            </a:r>
+          </a:p>
+          <a:p>
+            <a:pPr marL="0" indent="0">
+              <a:buNone/>
+            </a:pPr>
+            <a:endParaRPr lang="pt-BR" dirty="0"/>
+          </a:p>
+          <a:p>
+            <a:r>
+              <a:rPr lang="pt-BR" dirty="0"/>
+              <a:t>Conhecimento</a:t>
+            </a:r>
+          </a:p>
+          <a:p>
+            <a:endParaRPr lang="pt-BR" dirty="0"/>
+          </a:p>
+          <a:p>
+            <a:endParaRPr lang="pt-BR" dirty="0"/>
+          </a:p>
+        </p:txBody>
+      </p:sp>
+    </p:spTree>
+    <p:extLst>
+      <p:ext uri="{BB962C8B-B14F-4D97-AF65-F5344CB8AC3E}">
+        <p14:creationId xmlns:p14="http://schemas.microsoft.com/office/powerpoint/2010/main" val="990064343"/>
+      </p:ext>
+    </p:extLst>
+  </p:cSld>
+  <p:clrMapOvr>
+    <a:masterClrMapping/>
+  </p:clrMapOvr>
+</p:sld>
+</file>
+
+<file path=ppt/slides/slide3.xml><?xml version="1.0" encoding="utf-8"?>
 <p:sld xmlns:a="http://schemas.openxmlformats.org/drawingml/2006/main" xmlns:r="http://schemas.openxmlformats.org/officeDocument/2006/relationships" xmlns:p="http://schemas.openxmlformats.org/presentationml/2006/main">
   <p:cSld>
     <p:spTree>
@@ -12956,6 +13810,68 @@
     <p:extLst>
       <p:ext uri="{BB962C8B-B14F-4D97-AF65-F5344CB8AC3E}">
         <p14:creationId xmlns:p14="http://schemas.microsoft.com/office/powerpoint/2010/main" val="4136356484"/>
+      </p:ext>
+    </p:extLst>
+  </p:cSld>
+  <p:clrMapOvr>
+    <a:masterClrMapping/>
+  </p:clrMapOvr>
+</p:sld>
+</file>
+
+<file path=ppt/slides/slide4.xml><?xml version="1.0" encoding="utf-8"?>
+<p:sld xmlns:a="http://schemas.openxmlformats.org/drawingml/2006/main" xmlns:r="http://schemas.openxmlformats.org/officeDocument/2006/relationships" xmlns:p="http://schemas.openxmlformats.org/presentationml/2006/main">
+  <p:cSld>
+    <p:spTree>
+      <p:nvGrpSpPr>
+        <p:cNvPr id="1" name=""/>
+        <p:cNvGrpSpPr/>
+        <p:nvPr/>
+      </p:nvGrpSpPr>
+      <p:grpSpPr>
+        <a:xfrm>
+          <a:off x="0" y="0"/>
+          <a:ext cx="0" cy="0"/>
+          <a:chOff x="0" y="0"/>
+          <a:chExt cx="0" cy="0"/>
+        </a:xfrm>
+      </p:grpSpPr>
+      <p:pic>
+        <p:nvPicPr>
+          <p:cNvPr id="4" name="Espaço Reservado para Conteúdo 3">
+            <a:extLst>
+              <a:ext uri="{FF2B5EF4-FFF2-40B4-BE49-F238E27FC236}">
+                <a16:creationId xmlns:a16="http://schemas.microsoft.com/office/drawing/2014/main" id="{016B529D-8D01-4923-A1C5-02279258012F}"/>
+              </a:ext>
+            </a:extLst>
+          </p:cNvPr>
+          <p:cNvPicPr>
+            <a:picLocks noGrp="1" noChangeAspect="1"/>
+          </p:cNvPicPr>
+          <p:nvPr>
+            <p:ph idx="1"/>
+          </p:nvPr>
+        </p:nvPicPr>
+        <p:blipFill>
+          <a:blip r:embed="rId2"/>
+          <a:stretch>
+            <a:fillRect/>
+          </a:stretch>
+        </p:blipFill>
+        <p:spPr>
+          <a:xfrm>
+            <a:off x="2057400" y="666750"/>
+            <a:ext cx="8077200" cy="5524500"/>
+          </a:xfrm>
+          <a:prstGeom prst="rect">
+            <a:avLst/>
+          </a:prstGeom>
+        </p:spPr>
+      </p:pic>
+    </p:spTree>
+    <p:extLst>
+      <p:ext uri="{BB962C8B-B14F-4D97-AF65-F5344CB8AC3E}">
+        <p14:creationId xmlns:p14="http://schemas.microsoft.com/office/powerpoint/2010/main" val="1302472828"/>
       </p:ext>
     </p:extLst>
   </p:cSld>
@@ -13066,6 +13982,477 @@
     <p:extLst>
       <p:ext uri="{BB962C8B-B14F-4D97-AF65-F5344CB8AC3E}">
         <p14:creationId xmlns:p14="http://schemas.microsoft.com/office/powerpoint/2010/main" val="3528442289"/>
+      </p:ext>
+    </p:extLst>
+  </p:cSld>
+  <p:clrMapOvr>
+    <a:masterClrMapping/>
+  </p:clrMapOvr>
+</p:sld>
+</file>
+
+<file path=ppt/slides/slide6.xml><?xml version="1.0" encoding="utf-8"?>
+<p:sld xmlns:a="http://schemas.openxmlformats.org/drawingml/2006/main" xmlns:r="http://schemas.openxmlformats.org/officeDocument/2006/relationships" xmlns:p="http://schemas.openxmlformats.org/presentationml/2006/main">
+  <p:cSld>
+    <p:spTree>
+      <p:nvGrpSpPr>
+        <p:cNvPr id="1" name=""/>
+        <p:cNvGrpSpPr/>
+        <p:nvPr/>
+      </p:nvGrpSpPr>
+      <p:grpSpPr>
+        <a:xfrm>
+          <a:off x="0" y="0"/>
+          <a:ext cx="0" cy="0"/>
+          <a:chOff x="0" y="0"/>
+          <a:chExt cx="0" cy="0"/>
+        </a:xfrm>
+      </p:grpSpPr>
+      <p:sp>
+        <p:nvSpPr>
+          <p:cNvPr id="2" name="Título 1">
+            <a:extLst>
+              <a:ext uri="{FF2B5EF4-FFF2-40B4-BE49-F238E27FC236}">
+                <a16:creationId xmlns:a16="http://schemas.microsoft.com/office/drawing/2014/main" id="{66AF54C7-4837-44C5-9F25-EA97C3F88A91}"/>
+              </a:ext>
+            </a:extLst>
+          </p:cNvPr>
+          <p:cNvSpPr>
+            <a:spLocks noGrp="1"/>
+          </p:cNvSpPr>
+          <p:nvPr>
+            <p:ph type="title"/>
+          </p:nvPr>
+        </p:nvSpPr>
+        <p:spPr/>
+        <p:txBody>
+          <a:bodyPr/>
+          <a:lstStyle/>
+          <a:p>
+            <a:r>
+              <a:rPr lang="pt-BR" dirty="0"/>
+              <a:t>Caso de uso</a:t>
+            </a:r>
+          </a:p>
+        </p:txBody>
+      </p:sp>
+      <p:pic>
+        <p:nvPicPr>
+          <p:cNvPr id="5" name="Espaço Reservado para Conteúdo 4">
+            <a:extLst>
+              <a:ext uri="{FF2B5EF4-FFF2-40B4-BE49-F238E27FC236}">
+                <a16:creationId xmlns:a16="http://schemas.microsoft.com/office/drawing/2014/main" id="{EE9A532C-5E97-4E07-A27C-01709E650740}"/>
+              </a:ext>
+            </a:extLst>
+          </p:cNvPr>
+          <p:cNvPicPr>
+            <a:picLocks noGrp="1" noChangeAspect="1"/>
+          </p:cNvPicPr>
+          <p:nvPr>
+            <p:ph idx="1"/>
+          </p:nvPr>
+        </p:nvPicPr>
+        <p:blipFill>
+          <a:blip r:embed="rId2"/>
+          <a:stretch>
+            <a:fillRect/>
+          </a:stretch>
+        </p:blipFill>
+        <p:spPr>
+          <a:xfrm>
+            <a:off x="2474912" y="1955800"/>
+            <a:ext cx="7239000" cy="4457700"/>
+          </a:xfrm>
+        </p:spPr>
+      </p:pic>
+    </p:spTree>
+    <p:extLst>
+      <p:ext uri="{BB962C8B-B14F-4D97-AF65-F5344CB8AC3E}">
+        <p14:creationId xmlns:p14="http://schemas.microsoft.com/office/powerpoint/2010/main" val="3332134279"/>
+      </p:ext>
+    </p:extLst>
+  </p:cSld>
+  <p:clrMapOvr>
+    <a:masterClrMapping/>
+  </p:clrMapOvr>
+</p:sld>
+</file>
+
+<file path=ppt/slides/slide7.xml><?xml version="1.0" encoding="utf-8"?>
+<p:sld xmlns:a="http://schemas.openxmlformats.org/drawingml/2006/main" xmlns:r="http://schemas.openxmlformats.org/officeDocument/2006/relationships" xmlns:p="http://schemas.openxmlformats.org/presentationml/2006/main">
+  <p:cSld>
+    <p:spTree>
+      <p:nvGrpSpPr>
+        <p:cNvPr id="1" name=""/>
+        <p:cNvGrpSpPr/>
+        <p:nvPr/>
+      </p:nvGrpSpPr>
+      <p:grpSpPr>
+        <a:xfrm>
+          <a:off x="0" y="0"/>
+          <a:ext cx="0" cy="0"/>
+          <a:chOff x="0" y="0"/>
+          <a:chExt cx="0" cy="0"/>
+        </a:xfrm>
+      </p:grpSpPr>
+      <p:sp>
+        <p:nvSpPr>
+          <p:cNvPr id="2" name="Título 1">
+            <a:extLst>
+              <a:ext uri="{FF2B5EF4-FFF2-40B4-BE49-F238E27FC236}">
+                <a16:creationId xmlns:a16="http://schemas.microsoft.com/office/drawing/2014/main" id="{1AC3BF0E-DC29-42D0-90D7-410888C36A05}"/>
+              </a:ext>
+            </a:extLst>
+          </p:cNvPr>
+          <p:cNvSpPr>
+            <a:spLocks noGrp="1"/>
+          </p:cNvSpPr>
+          <p:nvPr>
+            <p:ph type="title"/>
+          </p:nvPr>
+        </p:nvSpPr>
+        <p:spPr/>
+        <p:txBody>
+          <a:bodyPr/>
+          <a:lstStyle/>
+          <a:p>
+            <a:r>
+              <a:rPr lang="pt-BR" dirty="0"/>
+              <a:t>Diagrama de classes</a:t>
+            </a:r>
+          </a:p>
+        </p:txBody>
+      </p:sp>
+      <p:pic>
+        <p:nvPicPr>
+          <p:cNvPr id="5" name="Espaço Reservado para Conteúdo 4">
+            <a:extLst>
+              <a:ext uri="{FF2B5EF4-FFF2-40B4-BE49-F238E27FC236}">
+                <a16:creationId xmlns:a16="http://schemas.microsoft.com/office/drawing/2014/main" id="{AB56D150-CFE4-4E8B-AC6A-1D9396923497}"/>
+              </a:ext>
+            </a:extLst>
+          </p:cNvPr>
+          <p:cNvPicPr>
+            <a:picLocks noGrp="1" noChangeAspect="1"/>
+          </p:cNvPicPr>
+          <p:nvPr>
+            <p:ph idx="1"/>
+          </p:nvPr>
+        </p:nvPicPr>
+        <p:blipFill>
+          <a:blip r:embed="rId2"/>
+          <a:stretch>
+            <a:fillRect/>
+          </a:stretch>
+        </p:blipFill>
+        <p:spPr>
+          <a:xfrm>
+            <a:off x="2347912" y="1981200"/>
+            <a:ext cx="7062788" cy="4432300"/>
+          </a:xfrm>
+        </p:spPr>
+      </p:pic>
+    </p:spTree>
+    <p:extLst>
+      <p:ext uri="{BB962C8B-B14F-4D97-AF65-F5344CB8AC3E}">
+        <p14:creationId xmlns:p14="http://schemas.microsoft.com/office/powerpoint/2010/main" val="1764032900"/>
+      </p:ext>
+    </p:extLst>
+  </p:cSld>
+  <p:clrMapOvr>
+    <a:masterClrMapping/>
+  </p:clrMapOvr>
+</p:sld>
+</file>
+
+<file path=ppt/slides/slide8.xml><?xml version="1.0" encoding="utf-8"?>
+<p:sld xmlns:a="http://schemas.openxmlformats.org/drawingml/2006/main" xmlns:r="http://schemas.openxmlformats.org/officeDocument/2006/relationships" xmlns:p="http://schemas.openxmlformats.org/presentationml/2006/main">
+  <p:cSld>
+    <p:spTree>
+      <p:nvGrpSpPr>
+        <p:cNvPr id="1" name=""/>
+        <p:cNvGrpSpPr/>
+        <p:nvPr/>
+      </p:nvGrpSpPr>
+      <p:grpSpPr>
+        <a:xfrm>
+          <a:off x="0" y="0"/>
+          <a:ext cx="0" cy="0"/>
+          <a:chOff x="0" y="0"/>
+          <a:chExt cx="0" cy="0"/>
+        </a:xfrm>
+      </p:grpSpPr>
+      <p:sp>
+        <p:nvSpPr>
+          <p:cNvPr id="2" name="Título 1">
+            <a:extLst>
+              <a:ext uri="{FF2B5EF4-FFF2-40B4-BE49-F238E27FC236}">
+                <a16:creationId xmlns:a16="http://schemas.microsoft.com/office/drawing/2014/main" id="{B412D29F-DC97-40BE-8007-8232C08BF665}"/>
+              </a:ext>
+            </a:extLst>
+          </p:cNvPr>
+          <p:cNvSpPr>
+            <a:spLocks noGrp="1"/>
+          </p:cNvSpPr>
+          <p:nvPr>
+            <p:ph type="title"/>
+          </p:nvPr>
+        </p:nvSpPr>
+        <p:spPr/>
+        <p:txBody>
+          <a:bodyPr/>
+          <a:lstStyle/>
+          <a:p>
+            <a:r>
+              <a:rPr lang="pt-BR" dirty="0"/>
+              <a:t>Protótipos </a:t>
+            </a:r>
+          </a:p>
+        </p:txBody>
+      </p:sp>
+      <p:pic>
+        <p:nvPicPr>
+          <p:cNvPr id="27" name="Espaço Reservado para Conteúdo 26">
+            <a:extLst>
+              <a:ext uri="{FF2B5EF4-FFF2-40B4-BE49-F238E27FC236}">
+                <a16:creationId xmlns:a16="http://schemas.microsoft.com/office/drawing/2014/main" id="{E4C5E057-7CAF-4D39-A7E7-59F2328809D6}"/>
+              </a:ext>
+            </a:extLst>
+          </p:cNvPr>
+          <p:cNvPicPr>
+            <a:picLocks noGrp="1" noChangeAspect="1"/>
+          </p:cNvPicPr>
+          <p:nvPr>
+            <p:ph idx="1"/>
+          </p:nvPr>
+        </p:nvPicPr>
+        <p:blipFill>
+          <a:blip r:embed="rId2"/>
+          <a:stretch>
+            <a:fillRect/>
+          </a:stretch>
+        </p:blipFill>
+        <p:spPr>
+          <a:xfrm>
+            <a:off x="7308123" y="3418607"/>
+            <a:ext cx="868230" cy="1880008"/>
+          </a:xfrm>
+        </p:spPr>
+      </p:pic>
+      <p:pic>
+        <p:nvPicPr>
+          <p:cNvPr id="29" name="Imagem 28">
+            <a:extLst>
+              <a:ext uri="{FF2B5EF4-FFF2-40B4-BE49-F238E27FC236}">
+                <a16:creationId xmlns:a16="http://schemas.microsoft.com/office/drawing/2014/main" id="{8076B818-CFB5-4845-92AA-D8C39755ECFB}"/>
+              </a:ext>
+            </a:extLst>
+          </p:cNvPr>
+          <p:cNvPicPr>
+            <a:picLocks noChangeAspect="1"/>
+          </p:cNvPicPr>
+          <p:nvPr/>
+        </p:nvPicPr>
+        <p:blipFill>
+          <a:blip r:embed="rId3"/>
+          <a:stretch>
+            <a:fillRect/>
+          </a:stretch>
+        </p:blipFill>
+        <p:spPr>
+          <a:xfrm>
+            <a:off x="7091802" y="1721309"/>
+            <a:ext cx="2169102" cy="4696828"/>
+          </a:xfrm>
+          <a:prstGeom prst="rect">
+            <a:avLst/>
+          </a:prstGeom>
+        </p:spPr>
+      </p:pic>
+      <p:pic>
+        <p:nvPicPr>
+          <p:cNvPr id="31" name="Imagem 30">
+            <a:extLst>
+              <a:ext uri="{FF2B5EF4-FFF2-40B4-BE49-F238E27FC236}">
+                <a16:creationId xmlns:a16="http://schemas.microsoft.com/office/drawing/2014/main" id="{E00EDFF8-848B-4D0D-BD9B-56C797080530}"/>
+              </a:ext>
+            </a:extLst>
+          </p:cNvPr>
+          <p:cNvPicPr>
+            <a:picLocks noChangeAspect="1"/>
+          </p:cNvPicPr>
+          <p:nvPr/>
+        </p:nvPicPr>
+        <p:blipFill>
+          <a:blip r:embed="rId2"/>
+          <a:stretch>
+            <a:fillRect/>
+          </a:stretch>
+        </p:blipFill>
+        <p:spPr>
+          <a:xfrm>
+            <a:off x="3087830" y="1721309"/>
+            <a:ext cx="2169102" cy="4696828"/>
+          </a:xfrm>
+          <a:prstGeom prst="rect">
+            <a:avLst/>
+          </a:prstGeom>
+        </p:spPr>
+      </p:pic>
+    </p:spTree>
+    <p:extLst>
+      <p:ext uri="{BB962C8B-B14F-4D97-AF65-F5344CB8AC3E}">
+        <p14:creationId xmlns:p14="http://schemas.microsoft.com/office/powerpoint/2010/main" val="3406605489"/>
+      </p:ext>
+    </p:extLst>
+  </p:cSld>
+  <p:clrMapOvr>
+    <a:masterClrMapping/>
+  </p:clrMapOvr>
+</p:sld>
+</file>
+
+<file path=ppt/slides/slide9.xml><?xml version="1.0" encoding="utf-8"?>
+<p:sld xmlns:a="http://schemas.openxmlformats.org/drawingml/2006/main" xmlns:r="http://schemas.openxmlformats.org/officeDocument/2006/relationships" xmlns:p="http://schemas.openxmlformats.org/presentationml/2006/main">
+  <p:cSld>
+    <p:spTree>
+      <p:nvGrpSpPr>
+        <p:cNvPr id="1" name=""/>
+        <p:cNvGrpSpPr/>
+        <p:nvPr/>
+      </p:nvGrpSpPr>
+      <p:grpSpPr>
+        <a:xfrm>
+          <a:off x="0" y="0"/>
+          <a:ext cx="0" cy="0"/>
+          <a:chOff x="0" y="0"/>
+          <a:chExt cx="0" cy="0"/>
+        </a:xfrm>
+      </p:grpSpPr>
+      <p:pic>
+        <p:nvPicPr>
+          <p:cNvPr id="14" name="Espaço Reservado para Conteúdo 4">
+            <a:extLst>
+              <a:ext uri="{FF2B5EF4-FFF2-40B4-BE49-F238E27FC236}">
+                <a16:creationId xmlns:a16="http://schemas.microsoft.com/office/drawing/2014/main" id="{AE1B3FAE-A6C0-4B9A-8AB2-2A1BE9EF4482}"/>
+              </a:ext>
+            </a:extLst>
+          </p:cNvPr>
+          <p:cNvPicPr>
+            <a:picLocks noChangeAspect="1"/>
+          </p:cNvPicPr>
+          <p:nvPr/>
+        </p:nvPicPr>
+        <p:blipFill>
+          <a:blip r:embed="rId2"/>
+          <a:stretch>
+            <a:fillRect/>
+          </a:stretch>
+        </p:blipFill>
+        <p:spPr>
+          <a:xfrm>
+            <a:off x="3655692" y="1025466"/>
+            <a:ext cx="2220012" cy="4807067"/>
+          </a:xfrm>
+          <a:prstGeom prst="rect">
+            <a:avLst/>
+          </a:prstGeom>
+        </p:spPr>
+      </p:pic>
+      <p:pic>
+        <p:nvPicPr>
+          <p:cNvPr id="15" name="Imagem 14">
+            <a:extLst>
+              <a:ext uri="{FF2B5EF4-FFF2-40B4-BE49-F238E27FC236}">
+                <a16:creationId xmlns:a16="http://schemas.microsoft.com/office/drawing/2014/main" id="{03EC5F25-C5A3-4089-A729-A874EDAA68DB}"/>
+              </a:ext>
+            </a:extLst>
+          </p:cNvPr>
+          <p:cNvPicPr>
+            <a:picLocks noChangeAspect="1"/>
+          </p:cNvPicPr>
+          <p:nvPr/>
+        </p:nvPicPr>
+        <p:blipFill>
+          <a:blip r:embed="rId3"/>
+          <a:stretch>
+            <a:fillRect/>
+          </a:stretch>
+        </p:blipFill>
+        <p:spPr>
+          <a:xfrm>
+            <a:off x="1129658" y="1025466"/>
+            <a:ext cx="2220013" cy="4807067"/>
+          </a:xfrm>
+          <a:prstGeom prst="rect">
+            <a:avLst/>
+          </a:prstGeom>
+        </p:spPr>
+      </p:pic>
+      <p:pic>
+        <p:nvPicPr>
+          <p:cNvPr id="16" name="Imagem 15">
+            <a:extLst>
+              <a:ext uri="{FF2B5EF4-FFF2-40B4-BE49-F238E27FC236}">
+                <a16:creationId xmlns:a16="http://schemas.microsoft.com/office/drawing/2014/main" id="{C0A5D7BD-DE62-40B6-9972-ED2508C76989}"/>
+              </a:ext>
+            </a:extLst>
+          </p:cNvPr>
+          <p:cNvPicPr>
+            <a:picLocks noChangeAspect="1"/>
+          </p:cNvPicPr>
+          <p:nvPr/>
+        </p:nvPicPr>
+        <p:blipFill>
+          <a:blip r:embed="rId4"/>
+          <a:stretch>
+            <a:fillRect/>
+          </a:stretch>
+        </p:blipFill>
+        <p:spPr>
+          <a:xfrm>
+            <a:off x="8803009" y="1025466"/>
+            <a:ext cx="2220013" cy="4807067"/>
+          </a:xfrm>
+          <a:prstGeom prst="rect">
+            <a:avLst/>
+          </a:prstGeom>
+        </p:spPr>
+      </p:pic>
+      <p:pic>
+        <p:nvPicPr>
+          <p:cNvPr id="17" name="Imagem 16">
+            <a:extLst>
+              <a:ext uri="{FF2B5EF4-FFF2-40B4-BE49-F238E27FC236}">
+                <a16:creationId xmlns:a16="http://schemas.microsoft.com/office/drawing/2014/main" id="{CE38BEB4-835A-4086-A078-84F85AEF619A}"/>
+              </a:ext>
+            </a:extLst>
+          </p:cNvPr>
+          <p:cNvPicPr>
+            <a:picLocks noChangeAspect="1"/>
+          </p:cNvPicPr>
+          <p:nvPr/>
+        </p:nvPicPr>
+        <p:blipFill>
+          <a:blip r:embed="rId5"/>
+          <a:stretch>
+            <a:fillRect/>
+          </a:stretch>
+        </p:blipFill>
+        <p:spPr>
+          <a:xfrm>
+            <a:off x="6229350" y="1025466"/>
+            <a:ext cx="2220013" cy="4807067"/>
+          </a:xfrm>
+          <a:prstGeom prst="rect">
+            <a:avLst/>
+          </a:prstGeom>
+        </p:spPr>
+      </p:pic>
+    </p:spTree>
+    <p:extLst>
+      <p:ext uri="{BB962C8B-B14F-4D97-AF65-F5344CB8AC3E}">
+        <p14:creationId xmlns:p14="http://schemas.microsoft.com/office/powerpoint/2010/main" val="1726352328"/>
       </p:ext>
     </p:extLst>
   </p:cSld>
